--- a/Week1/PyTutorial_Week1.pptx
+++ b/Week1/PyTutorial_Week1.pptx
@@ -8,40 +8,40 @@
     <p:notesMasterId r:id="rId37"/>
   </p:notesMasterIdLst>
   <p:sldIdLst>
-    <p:sldId id="279" r:id="rId2"/>
-    <p:sldId id="290" r:id="rId3"/>
-    <p:sldId id="256" r:id="rId4"/>
-    <p:sldId id="257" r:id="rId5"/>
-    <p:sldId id="278" r:id="rId6"/>
-    <p:sldId id="280" r:id="rId7"/>
-    <p:sldId id="281" r:id="rId8"/>
-    <p:sldId id="282" r:id="rId9"/>
-    <p:sldId id="296" r:id="rId10"/>
-    <p:sldId id="298" r:id="rId11"/>
-    <p:sldId id="274" r:id="rId12"/>
-    <p:sldId id="259" r:id="rId13"/>
-    <p:sldId id="297" r:id="rId14"/>
-    <p:sldId id="260" r:id="rId15"/>
-    <p:sldId id="275" r:id="rId16"/>
-    <p:sldId id="276" r:id="rId17"/>
-    <p:sldId id="299" r:id="rId18"/>
-    <p:sldId id="263" r:id="rId19"/>
-    <p:sldId id="283" r:id="rId20"/>
-    <p:sldId id="284" r:id="rId21"/>
-    <p:sldId id="285" r:id="rId22"/>
-    <p:sldId id="286" r:id="rId23"/>
-    <p:sldId id="287" r:id="rId24"/>
-    <p:sldId id="288" r:id="rId25"/>
-    <p:sldId id="266" r:id="rId26"/>
-    <p:sldId id="289" r:id="rId27"/>
-    <p:sldId id="300" r:id="rId28"/>
-    <p:sldId id="268" r:id="rId29"/>
-    <p:sldId id="270" r:id="rId30"/>
-    <p:sldId id="269" r:id="rId31"/>
-    <p:sldId id="291" r:id="rId32"/>
-    <p:sldId id="292" r:id="rId33"/>
-    <p:sldId id="293" r:id="rId34"/>
-    <p:sldId id="294" r:id="rId35"/>
+    <p:sldId id="290" r:id="rId2"/>
+    <p:sldId id="256" r:id="rId3"/>
+    <p:sldId id="257" r:id="rId4"/>
+    <p:sldId id="278" r:id="rId5"/>
+    <p:sldId id="280" r:id="rId6"/>
+    <p:sldId id="281" r:id="rId7"/>
+    <p:sldId id="282" r:id="rId8"/>
+    <p:sldId id="296" r:id="rId9"/>
+    <p:sldId id="298" r:id="rId10"/>
+    <p:sldId id="274" r:id="rId11"/>
+    <p:sldId id="259" r:id="rId12"/>
+    <p:sldId id="297" r:id="rId13"/>
+    <p:sldId id="260" r:id="rId14"/>
+    <p:sldId id="275" r:id="rId15"/>
+    <p:sldId id="276" r:id="rId16"/>
+    <p:sldId id="299" r:id="rId17"/>
+    <p:sldId id="263" r:id="rId18"/>
+    <p:sldId id="283" r:id="rId19"/>
+    <p:sldId id="284" r:id="rId20"/>
+    <p:sldId id="285" r:id="rId21"/>
+    <p:sldId id="286" r:id="rId22"/>
+    <p:sldId id="287" r:id="rId23"/>
+    <p:sldId id="288" r:id="rId24"/>
+    <p:sldId id="266" r:id="rId25"/>
+    <p:sldId id="289" r:id="rId26"/>
+    <p:sldId id="300" r:id="rId27"/>
+    <p:sldId id="268" r:id="rId28"/>
+    <p:sldId id="270" r:id="rId29"/>
+    <p:sldId id="269" r:id="rId30"/>
+    <p:sldId id="291" r:id="rId31"/>
+    <p:sldId id="292" r:id="rId32"/>
+    <p:sldId id="293" r:id="rId33"/>
+    <p:sldId id="294" r:id="rId34"/>
+    <p:sldId id="301" r:id="rId35"/>
     <p:sldId id="264" r:id="rId36"/>
   </p:sldIdLst>
   <p:sldSz cx="9144000" cy="6858000" type="screen4x3"/>
@@ -242,7 +242,7 @@
           <a:p>
             <a:fld id="{97D534D3-0866-4BF5-A3A3-C1862587BE6F}" type="datetimeFigureOut">
               <a:rPr lang="en-GB" smtClean="0"/>
-              <a:t>08/06/2019</a:t>
+              <a:t>22/06/2019</a:t>
             </a:fld>
             <a:endParaRPr lang="en-GB"/>
           </a:p>
@@ -593,9 +593,17 @@
             <a:br>
               <a:rPr lang="en-US" altLang="zh-TW" dirty="0"/>
             </a:br>
+            <a:r>
+              <a:rPr lang="en-US" altLang="zh-TW" dirty="0"/>
+              <a:t/>
+            </a:r>
             <a:br>
               <a:rPr lang="en-US" altLang="zh-TW" dirty="0"/>
             </a:br>
+            <a:r>
+              <a:rPr lang="en-US" altLang="zh-TW" dirty="0"/>
+              <a:t/>
+            </a:r>
             <a:br>
               <a:rPr lang="en-US" altLang="zh-TW" dirty="0"/>
             </a:br>
@@ -627,7 +635,7 @@
           <a:p>
             <a:fld id="{837523E1-FC9D-4489-B062-6F8730FEA4B2}" type="slidenum">
               <a:rPr lang="en-GB" smtClean="0"/>
-              <a:t>5</a:t>
+              <a:t>4</a:t>
             </a:fld>
             <a:endParaRPr lang="en-GB"/>
           </a:p>
@@ -728,7 +736,7 @@
           <a:p>
             <a:fld id="{837523E1-FC9D-4489-B062-6F8730FEA4B2}" type="slidenum">
               <a:rPr lang="en-GB" smtClean="0"/>
-              <a:t>15</a:t>
+              <a:t>14</a:t>
             </a:fld>
             <a:endParaRPr lang="en-GB"/>
           </a:p>
@@ -941,7 +949,7 @@
           <a:p>
             <a:fld id="{5BBEAD13-0566-4C6C-97E7-55F17F24B09F}" type="datetimeFigureOut">
               <a:rPr lang="zh-TW" altLang="en-US" smtClean="0"/>
-              <a:t>2019/6/8</a:t>
+              <a:t>2019/6/22</a:t>
             </a:fld>
             <a:endParaRPr lang="zh-TW" altLang="en-US"/>
           </a:p>
@@ -1294,7 +1302,7 @@
           <a:p>
             <a:fld id="{5BBEAD13-0566-4C6C-97E7-55F17F24B09F}" type="datetimeFigureOut">
               <a:rPr lang="zh-TW" altLang="en-US" smtClean="0"/>
-              <a:t>2019/6/8</a:t>
+              <a:t>2019/6/22</a:t>
             </a:fld>
             <a:endParaRPr lang="zh-TW" altLang="en-US"/>
           </a:p>
@@ -1469,7 +1477,7 @@
           <a:p>
             <a:fld id="{5BBEAD13-0566-4C6C-97E7-55F17F24B09F}" type="datetimeFigureOut">
               <a:rPr lang="zh-TW" altLang="en-US" smtClean="0"/>
-              <a:t>2019/6/8</a:t>
+              <a:t>2019/6/22</a:t>
             </a:fld>
             <a:endParaRPr lang="zh-TW" altLang="en-US"/>
           </a:p>
@@ -1582,7 +1590,7 @@
           <a:p>
             <a:fld id="{5BBEAD13-0566-4C6C-97E7-55F17F24B09F}" type="datetimeFigureOut">
               <a:rPr lang="zh-TW" altLang="en-US" smtClean="0"/>
-              <a:t>2019/6/8</a:t>
+              <a:t>2019/6/22</a:t>
             </a:fld>
             <a:endParaRPr lang="zh-TW" altLang="en-US"/>
           </a:p>
@@ -1940,7 +1948,7 @@
           <a:p>
             <a:fld id="{5BBEAD13-0566-4C6C-97E7-55F17F24B09F}" type="datetimeFigureOut">
               <a:rPr lang="zh-TW" altLang="en-US" smtClean="0"/>
-              <a:t>2019/6/8</a:t>
+              <a:t>2019/6/22</a:t>
             </a:fld>
             <a:endParaRPr lang="zh-TW" altLang="en-US"/>
           </a:p>
@@ -2205,7 +2213,7 @@
           <a:p>
             <a:fld id="{5BBEAD13-0566-4C6C-97E7-55F17F24B09F}" type="datetimeFigureOut">
               <a:rPr lang="zh-TW" altLang="en-US" smtClean="0"/>
-              <a:t>2019/6/8</a:t>
+              <a:t>2019/6/22</a:t>
             </a:fld>
             <a:endParaRPr lang="zh-TW" altLang="en-US"/>
           </a:p>
@@ -2567,7 +2575,7 @@
           <a:p>
             <a:fld id="{5BBEAD13-0566-4C6C-97E7-55F17F24B09F}" type="datetimeFigureOut">
               <a:rPr lang="zh-TW" altLang="en-US" smtClean="0"/>
-              <a:t>2019/6/8</a:t>
+              <a:t>2019/6/22</a:t>
             </a:fld>
             <a:endParaRPr lang="zh-TW" altLang="en-US"/>
           </a:p>
@@ -2794,7 +2802,7 @@
           <a:p>
             <a:fld id="{5BBEAD13-0566-4C6C-97E7-55F17F24B09F}" type="datetimeFigureOut">
               <a:rPr lang="zh-TW" altLang="en-US" smtClean="0"/>
-              <a:t>2019/6/8</a:t>
+              <a:t>2019/6/22</a:t>
             </a:fld>
             <a:endParaRPr lang="zh-TW" altLang="en-US"/>
           </a:p>
@@ -2884,7 +2892,7 @@
           <a:p>
             <a:fld id="{5BBEAD13-0566-4C6C-97E7-55F17F24B09F}" type="datetimeFigureOut">
               <a:rPr lang="zh-TW" altLang="en-US" smtClean="0"/>
-              <a:t>2019/6/8</a:t>
+              <a:t>2019/6/22</a:t>
             </a:fld>
             <a:endParaRPr lang="zh-TW" altLang="en-US"/>
           </a:p>
@@ -3151,7 +3159,7 @@
           <a:p>
             <a:fld id="{5BBEAD13-0566-4C6C-97E7-55F17F24B09F}" type="datetimeFigureOut">
               <a:rPr lang="zh-TW" altLang="en-US" smtClean="0"/>
-              <a:t>2019/6/8</a:t>
+              <a:t>2019/6/22</a:t>
             </a:fld>
             <a:endParaRPr lang="zh-TW" altLang="en-US"/>
           </a:p>
@@ -3379,7 +3387,7 @@
           <a:p>
             <a:fld id="{5BBEAD13-0566-4C6C-97E7-55F17F24B09F}" type="datetimeFigureOut">
               <a:rPr lang="zh-TW" altLang="en-US" smtClean="0"/>
-              <a:t>2019/6/8</a:t>
+              <a:t>2019/6/22</a:t>
             </a:fld>
             <a:endParaRPr lang="zh-TW" altLang="en-US"/>
           </a:p>
@@ -3878,7 +3886,7 @@
           <a:p>
             <a:fld id="{5BBEAD13-0566-4C6C-97E7-55F17F24B09F}" type="datetimeFigureOut">
               <a:rPr lang="zh-TW" altLang="en-US" smtClean="0"/>
-              <a:t>2019/6/8</a:t>
+              <a:t>2019/6/22</a:t>
             </a:fld>
             <a:endParaRPr lang="zh-TW" altLang="en-US"/>
           </a:p>
@@ -4282,48 +4290,111 @@
           <a:chExt cx="0" cy="0"/>
         </a:xfrm>
       </p:grpSpPr>
-      <p:sp>
-        <p:nvSpPr>
-          <p:cNvPr id="4" name="文字方塊 3">
-            <a:extLst>
-              <a:ext uri="{FF2B5EF4-FFF2-40B4-BE49-F238E27FC236}">
-                <a16:creationId xmlns:a16="http://schemas.microsoft.com/office/drawing/2014/main" id="{A39AA286-096F-45F1-96EB-5B4E97578E22}"/>
-              </a:ext>
-            </a:extLst>
-          </p:cNvPr>
-          <p:cNvSpPr txBox="1"/>
+      <p:pic>
+        <p:nvPicPr>
+          <p:cNvPr id="2" name="Picture 1"/>
+          <p:cNvPicPr>
+            <a:picLocks noChangeAspect="1"/>
+          </p:cNvPicPr>
           <p:nvPr/>
-        </p:nvSpPr>
+        </p:nvPicPr>
+        <p:blipFill>
+          <a:blip r:embed="rId2"/>
+          <a:stretch>
+            <a:fillRect/>
+          </a:stretch>
+        </p:blipFill>
         <p:spPr>
           <a:xfrm>
-            <a:off x="971600" y="1484784"/>
-            <a:ext cx="4392488" cy="369332"/>
+            <a:off x="2843808" y="1844824"/>
+            <a:ext cx="3475405" cy="3432232"/>
           </a:xfrm>
           <a:prstGeom prst="rect">
             <a:avLst/>
           </a:prstGeom>
-          <a:noFill/>
         </p:spPr>
-        <p:txBody>
-          <a:bodyPr wrap="square" rtlCol="0">
+      </p:pic>
+      <p:sp>
+        <p:nvSpPr>
+          <p:cNvPr id="3" name="標題 1"/>
+          <p:cNvSpPr txBox="1">
+            <a:spLocks/>
+          </p:cNvSpPr>
+          <p:nvPr/>
+        </p:nvSpPr>
+        <p:spPr>
+          <a:xfrm>
+            <a:off x="914400" y="274638"/>
+            <a:ext cx="7772400" cy="850106"/>
+          </a:xfrm>
+          <a:prstGeom prst="rect">
+            <a:avLst/>
+          </a:prstGeom>
+        </p:spPr>
+        <p:txBody>
+          <a:bodyPr>
+            <a:normAutofit/>
+          </a:bodyPr>
+          <a:lstStyle>
+            <a:lvl1pPr algn="l" rtl="0" eaLnBrk="1" latinLnBrk="0" hangingPunct="1">
+              <a:spcBef>
+                <a:spcPct val="0"/>
+              </a:spcBef>
+              <a:buNone/>
+              <a:defRPr kumimoji="0" sz="4000" kern="1200">
+                <a:solidFill>
+                  <a:schemeClr val="tx2"/>
+                </a:solidFill>
+                <a:latin typeface="+mj-lt"/>
+                <a:ea typeface="+mj-ea"/>
+                <a:cs typeface="+mj-cs"/>
+              </a:defRPr>
+            </a:lvl1pPr>
+          </a:lstStyle>
+          <a:p>
+            <a:r>
+              <a:rPr lang="en-US" altLang="zh-TW" dirty="0"/>
+              <a:t>Welcome Survey</a:t>
+            </a:r>
+            <a:endParaRPr lang="zh-TW" altLang="en-US" dirty="0"/>
+          </a:p>
+        </p:txBody>
+      </p:sp>
+      <p:sp>
+        <p:nvSpPr>
+          <p:cNvPr id="4" name="Rectangle 3"/>
+          <p:cNvSpPr/>
+          <p:nvPr/>
+        </p:nvSpPr>
+        <p:spPr>
+          <a:xfrm>
+            <a:off x="2835118" y="1475492"/>
+            <a:ext cx="3484095" cy="369332"/>
+          </a:xfrm>
+          <a:prstGeom prst="rect">
+            <a:avLst/>
+          </a:prstGeom>
+        </p:spPr>
+        <p:txBody>
+          <a:bodyPr wrap="none">
             <a:spAutoFit/>
           </a:bodyPr>
           <a:lstStyle/>
           <a:p>
-            <a:pPr marL="342900" indent="-342900">
-              <a:buAutoNum type="arabicPeriod"/>
-            </a:pPr>
-            <a:r>
-              <a:rPr lang="en-US" altLang="zh-TW" dirty="0"/>
-              <a:t>Tableau Public</a:t>
-            </a:r>
+            <a:r>
+              <a:rPr lang="en-US" dirty="0">
+                <a:hlinkClick r:id="rId3"/>
+              </a:rPr>
+              <a:t>https://wall2.sli.do/event/zet7cz6o</a:t>
+            </a:r>
+            <a:endParaRPr lang="en-US" dirty="0"/>
           </a:p>
         </p:txBody>
       </p:sp>
     </p:spTree>
     <p:extLst>
       <p:ext uri="{BB962C8B-B14F-4D97-AF65-F5344CB8AC3E}">
-        <p14:creationId xmlns:p14="http://schemas.microsoft.com/office/powerpoint/2010/main" val="3232888813"/>
+        <p14:creationId xmlns:p14="http://schemas.microsoft.com/office/powerpoint/2010/main" val="1068931112"/>
       </p:ext>
     </p:extLst>
   </p:cSld>
@@ -4334,211 +4405,6 @@
 </file>
 
 <file path=ppt/slides/slide10.xml><?xml version="1.0" encoding="utf-8"?>
-<p:sld xmlns:a="http://schemas.openxmlformats.org/drawingml/2006/main" xmlns:r="http://schemas.openxmlformats.org/officeDocument/2006/relationships" xmlns:p="http://schemas.openxmlformats.org/presentationml/2006/main">
-  <p:cSld>
-    <p:spTree>
-      <p:nvGrpSpPr>
-        <p:cNvPr id="1" name=""/>
-        <p:cNvGrpSpPr/>
-        <p:nvPr/>
-      </p:nvGrpSpPr>
-      <p:grpSpPr>
-        <a:xfrm>
-          <a:off x="0" y="0"/>
-          <a:ext cx="0" cy="0"/>
-          <a:chOff x="0" y="0"/>
-          <a:chExt cx="0" cy="0"/>
-        </a:xfrm>
-      </p:grpSpPr>
-      <p:sp>
-        <p:nvSpPr>
-          <p:cNvPr id="2" name="標題 1"/>
-          <p:cNvSpPr>
-            <a:spLocks noGrp="1"/>
-          </p:cNvSpPr>
-          <p:nvPr>
-            <p:ph type="title"/>
-          </p:nvPr>
-        </p:nvSpPr>
-        <p:spPr/>
-        <p:txBody>
-          <a:bodyPr/>
-          <a:lstStyle/>
-          <a:p>
-            <a:r>
-              <a:rPr lang="en-US" altLang="zh-TW" dirty="0"/>
-              <a:t>(FYI) What is R ?</a:t>
-            </a:r>
-            <a:endParaRPr lang="zh-TW" altLang="en-US" dirty="0"/>
-          </a:p>
-        </p:txBody>
-      </p:sp>
-      <p:sp>
-        <p:nvSpPr>
-          <p:cNvPr id="3" name="內容版面配置區 2"/>
-          <p:cNvSpPr>
-            <a:spLocks noGrp="1"/>
-          </p:cNvSpPr>
-          <p:nvPr>
-            <p:ph sz="quarter" idx="1"/>
-          </p:nvPr>
-        </p:nvSpPr>
-        <p:spPr/>
-        <p:txBody>
-          <a:bodyPr>
-            <a:normAutofit/>
-          </a:bodyPr>
-          <a:lstStyle/>
-          <a:p>
-            <a:r>
-              <a:rPr lang="en-US" altLang="zh-TW" sz="1800" dirty="0"/>
-              <a:t>initial version released in 1995</a:t>
-            </a:r>
-          </a:p>
-          <a:p>
-            <a:r>
-              <a:rPr lang="en-US" altLang="zh-TW" sz="1800" dirty="0"/>
-              <a:t>by </a:t>
-            </a:r>
-            <a:r>
-              <a:rPr lang="en-US" altLang="zh-TW" sz="1800" dirty="0">
-                <a:hlinkClick r:id="rId2" tooltip="Ross Ihaka"/>
-              </a:rPr>
-              <a:t>Ross Ihaka</a:t>
-            </a:r>
-            <a:r>
-              <a:rPr lang="en-US" altLang="zh-TW" sz="1800" dirty="0"/>
-              <a:t> and </a:t>
-            </a:r>
-            <a:r>
-              <a:rPr lang="en-US" altLang="zh-TW" sz="1800" u="sng" dirty="0">
-                <a:hlinkClick r:id="rId3"/>
-              </a:rPr>
-              <a:t>Robert Gentleman</a:t>
-            </a:r>
-            <a:r>
-              <a:rPr lang="en-US" altLang="zh-TW" sz="1800" dirty="0"/>
-              <a:t>, Statisticians at the Auckland U</a:t>
-            </a:r>
-          </a:p>
-          <a:p>
-            <a:r>
-              <a:rPr lang="en-US" altLang="zh-TW" sz="1800" dirty="0"/>
-              <a:t>named partly after the first names of the first two R authors</a:t>
-            </a:r>
-          </a:p>
-          <a:p>
-            <a:r>
-              <a:rPr lang="en-US" altLang="zh-TW" sz="1800" dirty="0"/>
-              <a:t>Reference is </a:t>
-            </a:r>
-            <a:r>
-              <a:rPr lang="en-US" altLang="zh-TW" sz="1800" dirty="0">
-                <a:hlinkClick r:id="rId4"/>
-              </a:rPr>
-              <a:t>here</a:t>
-            </a:r>
-            <a:endParaRPr lang="en-US" altLang="zh-TW" sz="1800" dirty="0"/>
-          </a:p>
-          <a:p>
-            <a:endParaRPr lang="en-US" altLang="zh-TW" sz="1800" dirty="0"/>
-          </a:p>
-          <a:p>
-            <a:r>
-              <a:rPr lang="en-US" altLang="zh-TW" sz="1800" dirty="0"/>
-              <a:t>Version</a:t>
-            </a:r>
-          </a:p>
-          <a:p>
-            <a:pPr lvl="1"/>
-            <a:r>
-              <a:rPr lang="en-US" altLang="zh-TW" sz="1600" dirty="0"/>
-              <a:t>R 1.0 - 2000-02-29</a:t>
-            </a:r>
-          </a:p>
-          <a:p>
-            <a:pPr lvl="1"/>
-            <a:r>
-              <a:rPr lang="en-US" altLang="zh-TW" sz="1600" dirty="0"/>
-              <a:t>R 2.0 - 2004-10-04</a:t>
-            </a:r>
-          </a:p>
-          <a:p>
-            <a:pPr lvl="1"/>
-            <a:r>
-              <a:rPr lang="en-US" altLang="zh-TW" sz="1600" dirty="0"/>
-              <a:t>R 3.0 - 2013-04-03</a:t>
-            </a:r>
-          </a:p>
-          <a:p>
-            <a:r>
-              <a:rPr lang="en-US" altLang="zh-TW" sz="2000" dirty="0"/>
-              <a:t>Recent – R 3.6 - 2019-04-26</a:t>
-            </a:r>
-          </a:p>
-        </p:txBody>
-      </p:sp>
-      <p:pic>
-        <p:nvPicPr>
-          <p:cNvPr id="2050" name="Picture 2" descr="Ross Ihaka and Robert Gentlemançåçæå°çµæ">
-            <a:extLst>
-              <a:ext uri="{FF2B5EF4-FFF2-40B4-BE49-F238E27FC236}">
-                <a16:creationId xmlns:a16="http://schemas.microsoft.com/office/drawing/2014/main" id="{E521E8EA-4134-4046-B302-30BB4189A06C}"/>
-              </a:ext>
-            </a:extLst>
-          </p:cNvPr>
-          <p:cNvPicPr>
-            <a:picLocks noChangeAspect="1" noChangeArrowheads="1"/>
-          </p:cNvPicPr>
-          <p:nvPr/>
-        </p:nvPicPr>
-        <p:blipFill>
-          <a:blip r:embed="rId5">
-            <a:extLst>
-              <a:ext uri="{28A0092B-C50C-407E-A947-70E740481C1C}">
-                <a14:useLocalDpi xmlns:a14="http://schemas.microsoft.com/office/drawing/2010/main" val="0"/>
-              </a:ext>
-            </a:extLst>
-          </a:blip>
-          <a:srcRect/>
-          <a:stretch>
-            <a:fillRect/>
-          </a:stretch>
-        </p:blipFill>
-        <p:spPr bwMode="auto">
-          <a:xfrm>
-            <a:off x="4917232" y="2780928"/>
-            <a:ext cx="3312368" cy="2481079"/>
-          </a:xfrm>
-          <a:prstGeom prst="rect">
-            <a:avLst/>
-          </a:prstGeom>
-          <a:noFill/>
-          <a:extLst>
-            <a:ext uri="{909E8E84-426E-40DD-AFC4-6F175D3DCCD1}">
-              <a14:hiddenFill xmlns:a14="http://schemas.microsoft.com/office/drawing/2010/main">
-                <a:solidFill>
-                  <a:srgbClr val="FFFFFF"/>
-                </a:solidFill>
-              </a14:hiddenFill>
-            </a:ext>
-          </a:extLst>
-        </p:spPr>
-      </p:pic>
-    </p:spTree>
-    <p:extLst>
-      <p:ext uri="{BB962C8B-B14F-4D97-AF65-F5344CB8AC3E}">
-        <p14:creationId xmlns:p14="http://schemas.microsoft.com/office/powerpoint/2010/main" val="171793615"/>
-      </p:ext>
-    </p:extLst>
-  </p:cSld>
-  <p:clrMapOvr>
-    <a:masterClrMapping/>
-  </p:clrMapOvr>
-</p:sld>
-</file>
-
-<file path=ppt/slides/slide11.xml><?xml version="1.0" encoding="utf-8"?>
 <p:sld xmlns:a="http://schemas.openxmlformats.org/drawingml/2006/main" xmlns:r="http://schemas.openxmlformats.org/officeDocument/2006/relationships" xmlns:p="http://schemas.openxmlformats.org/presentationml/2006/main">
   <p:cSld>
     <p:spTree>
@@ -4670,7 +4536,7 @@
 </p:sld>
 </file>
 
-<file path=ppt/slides/slide12.xml><?xml version="1.0" encoding="utf-8"?>
+<file path=ppt/slides/slide11.xml><?xml version="1.0" encoding="utf-8"?>
 <p:sld xmlns:a="http://schemas.openxmlformats.org/drawingml/2006/main" xmlns:r="http://schemas.openxmlformats.org/officeDocument/2006/relationships" xmlns:p="http://schemas.openxmlformats.org/presentationml/2006/main">
   <p:cSld>
     <p:spTree>
@@ -4865,7 +4731,7 @@
 </p:sld>
 </file>
 
-<file path=ppt/slides/slide13.xml><?xml version="1.0" encoding="utf-8"?>
+<file path=ppt/slides/slide12.xml><?xml version="1.0" encoding="utf-8"?>
 <p:sld xmlns:a="http://schemas.openxmlformats.org/drawingml/2006/main" xmlns:r="http://schemas.openxmlformats.org/officeDocument/2006/relationships" xmlns:p="http://schemas.openxmlformats.org/presentationml/2006/main">
   <p:cSld>
     <p:spTree>
@@ -5184,7 +5050,7 @@
 </p:sld>
 </file>
 
-<file path=ppt/slides/slide14.xml><?xml version="1.0" encoding="utf-8"?>
+<file path=ppt/slides/slide13.xml><?xml version="1.0" encoding="utf-8"?>
 <p:sld xmlns:a="http://schemas.openxmlformats.org/drawingml/2006/main" xmlns:r="http://schemas.openxmlformats.org/officeDocument/2006/relationships" xmlns:p="http://schemas.openxmlformats.org/presentationml/2006/main">
   <p:cSld>
     <p:spTree>
@@ -5428,7 +5294,7 @@
 </p:sld>
 </file>
 
-<file path=ppt/slides/slide15.xml><?xml version="1.0" encoding="utf-8"?>
+<file path=ppt/slides/slide14.xml><?xml version="1.0" encoding="utf-8"?>
 <p:sld xmlns:a="http://schemas.openxmlformats.org/drawingml/2006/main" xmlns:r="http://schemas.openxmlformats.org/officeDocument/2006/relationships" xmlns:p="http://schemas.openxmlformats.org/presentationml/2006/main">
   <p:cSld>
     <p:spTree>
@@ -5687,7 +5553,7 @@
 </p:sld>
 </file>
 
-<file path=ppt/slides/slide16.xml><?xml version="1.0" encoding="utf-8"?>
+<file path=ppt/slides/slide15.xml><?xml version="1.0" encoding="utf-8"?>
 <p:sld xmlns:a="http://schemas.openxmlformats.org/drawingml/2006/main" xmlns:r="http://schemas.openxmlformats.org/officeDocument/2006/relationships" xmlns:p="http://schemas.openxmlformats.org/presentationml/2006/main">
   <p:cSld>
     <p:spTree>
@@ -6148,6 +6014,106 @@
 </p:sld>
 </file>
 
+<file path=ppt/slides/slide16.xml><?xml version="1.0" encoding="utf-8"?>
+<p:sld xmlns:a="http://schemas.openxmlformats.org/drawingml/2006/main" xmlns:r="http://schemas.openxmlformats.org/officeDocument/2006/relationships" xmlns:p="http://schemas.openxmlformats.org/presentationml/2006/main">
+  <p:cSld>
+    <p:spTree>
+      <p:nvGrpSpPr>
+        <p:cNvPr id="1" name=""/>
+        <p:cNvGrpSpPr/>
+        <p:nvPr/>
+      </p:nvGrpSpPr>
+      <p:grpSpPr>
+        <a:xfrm>
+          <a:off x="0" y="0"/>
+          <a:ext cx="0" cy="0"/>
+          <a:chOff x="0" y="0"/>
+          <a:chExt cx="0" cy="0"/>
+        </a:xfrm>
+      </p:grpSpPr>
+      <p:sp>
+        <p:nvSpPr>
+          <p:cNvPr id="2" name="標題 1">
+            <a:extLst>
+              <a:ext uri="{FF2B5EF4-FFF2-40B4-BE49-F238E27FC236}">
+                <a16:creationId xmlns:a16="http://schemas.microsoft.com/office/drawing/2014/main" id="{6E999AEE-8294-40E2-863F-FD2A824C973A}"/>
+              </a:ext>
+            </a:extLst>
+          </p:cNvPr>
+          <p:cNvSpPr>
+            <a:spLocks noGrp="1"/>
+          </p:cNvSpPr>
+          <p:nvPr>
+            <p:ph type="title"/>
+          </p:nvPr>
+        </p:nvSpPr>
+        <p:spPr/>
+        <p:txBody>
+          <a:bodyPr/>
+          <a:lstStyle/>
+          <a:p>
+            <a:r>
+              <a:rPr lang="en-US" altLang="zh-TW" dirty="0"/>
+              <a:t>Resources for Python coding</a:t>
+            </a:r>
+            <a:endParaRPr lang="zh-TW" altLang="en-US" dirty="0"/>
+          </a:p>
+        </p:txBody>
+      </p:sp>
+      <p:sp>
+        <p:nvSpPr>
+          <p:cNvPr id="3" name="內容版面配置區 2">
+            <a:extLst>
+              <a:ext uri="{FF2B5EF4-FFF2-40B4-BE49-F238E27FC236}">
+                <a16:creationId xmlns:a16="http://schemas.microsoft.com/office/drawing/2014/main" id="{A443A773-AA89-4E48-9803-5832DA3872B6}"/>
+              </a:ext>
+            </a:extLst>
+          </p:cNvPr>
+          <p:cNvSpPr>
+            <a:spLocks noGrp="1"/>
+          </p:cNvSpPr>
+          <p:nvPr>
+            <p:ph sz="quarter" idx="1"/>
+          </p:nvPr>
+        </p:nvSpPr>
+        <p:spPr/>
+        <p:txBody>
+          <a:bodyPr/>
+          <a:lstStyle/>
+          <a:p>
+            <a:r>
+              <a:rPr lang="en-US" altLang="zh-TW" dirty="0"/>
+              <a:t>Py4e</a:t>
+            </a:r>
+          </a:p>
+          <a:p>
+            <a:r>
+              <a:rPr lang="en-US" altLang="zh-TW" dirty="0"/>
+              <a:t>Coursera / edX</a:t>
+            </a:r>
+          </a:p>
+          <a:p>
+            <a:r>
+              <a:rPr lang="en-US" altLang="zh-TW" dirty="0" err="1"/>
+              <a:t>Datacamp</a:t>
+            </a:r>
+            <a:endParaRPr lang="zh-TW" altLang="en-US" dirty="0"/>
+          </a:p>
+        </p:txBody>
+      </p:sp>
+    </p:spTree>
+    <p:extLst>
+      <p:ext uri="{BB962C8B-B14F-4D97-AF65-F5344CB8AC3E}">
+        <p14:creationId xmlns:p14="http://schemas.microsoft.com/office/powerpoint/2010/main" val="3418673669"/>
+      </p:ext>
+    </p:extLst>
+  </p:cSld>
+  <p:clrMapOvr>
+    <a:masterClrMapping/>
+  </p:clrMapOvr>
+</p:sld>
+</file>
+
 <file path=ppt/slides/slide17.xml><?xml version="1.0" encoding="utf-8"?>
 <p:sld xmlns:a="http://schemas.openxmlformats.org/drawingml/2006/main" xmlns:r="http://schemas.openxmlformats.org/officeDocument/2006/relationships" xmlns:p="http://schemas.openxmlformats.org/presentationml/2006/main">
   <p:cSld>
@@ -6167,18 +6133,12 @@
       </p:grpSpPr>
       <p:sp>
         <p:nvSpPr>
-          <p:cNvPr id="2" name="標題 1">
-            <a:extLst>
-              <a:ext uri="{FF2B5EF4-FFF2-40B4-BE49-F238E27FC236}">
-                <a16:creationId xmlns:a16="http://schemas.microsoft.com/office/drawing/2014/main" id="{6E999AEE-8294-40E2-863F-FD2A824C973A}"/>
-              </a:ext>
-            </a:extLst>
-          </p:cNvPr>
+          <p:cNvPr id="5" name="副標題 4"/>
           <p:cNvSpPr>
             <a:spLocks noGrp="1"/>
           </p:cNvSpPr>
           <p:nvPr>
-            <p:ph type="title"/>
+            <p:ph type="subTitle" idx="1"/>
           </p:nvPr>
         </p:nvSpPr>
         <p:spPr/>
@@ -6186,28 +6146,18 @@
           <a:bodyPr/>
           <a:lstStyle/>
           <a:p>
-            <a:r>
-              <a:rPr lang="en-US" altLang="zh-TW" dirty="0"/>
-              <a:t>Resources for Python coding</a:t>
-            </a:r>
-            <a:endParaRPr lang="zh-TW" altLang="en-US" dirty="0"/>
-          </a:p>
-        </p:txBody>
-      </p:sp>
-      <p:sp>
-        <p:nvSpPr>
-          <p:cNvPr id="3" name="內容版面配置區 2">
-            <a:extLst>
-              <a:ext uri="{FF2B5EF4-FFF2-40B4-BE49-F238E27FC236}">
-                <a16:creationId xmlns:a16="http://schemas.microsoft.com/office/drawing/2014/main" id="{A443A773-AA89-4E48-9803-5832DA3872B6}"/>
-              </a:ext>
-            </a:extLst>
-          </p:cNvPr>
+            <a:endParaRPr lang="zh-TW" altLang="en-US"/>
+          </a:p>
+        </p:txBody>
+      </p:sp>
+      <p:sp>
+        <p:nvSpPr>
+          <p:cNvPr id="4" name="標題 3"/>
           <p:cNvSpPr>
             <a:spLocks noGrp="1"/>
           </p:cNvSpPr>
           <p:nvPr>
-            <p:ph sz="quarter" idx="1"/>
+            <p:ph type="ctrTitle"/>
           </p:nvPr>
         </p:nvSpPr>
         <p:spPr/>
@@ -6216,29 +6166,17 @@
           <a:lstStyle/>
           <a:p>
             <a:r>
-              <a:rPr lang="en-US" altLang="zh-TW" dirty="0"/>
-              <a:t>Py4e</a:t>
-            </a:r>
-          </a:p>
-          <a:p>
-            <a:r>
-              <a:rPr lang="en-US" altLang="zh-TW" dirty="0"/>
-              <a:t>Coursera / edX</a:t>
-            </a:r>
-          </a:p>
-          <a:p>
-            <a:r>
-              <a:rPr lang="en-US" altLang="zh-TW" dirty="0" err="1"/>
-              <a:t>Datacamp</a:t>
-            </a:r>
-            <a:endParaRPr lang="zh-TW" altLang="en-US" dirty="0"/>
+              <a:rPr lang="en-US" altLang="zh-TW" b="1" dirty="0"/>
+              <a:t>Start Python Coding !</a:t>
+            </a:r>
+            <a:endParaRPr lang="zh-TW" altLang="en-US" b="1" dirty="0"/>
           </a:p>
         </p:txBody>
       </p:sp>
     </p:spTree>
     <p:extLst>
       <p:ext uri="{BB962C8B-B14F-4D97-AF65-F5344CB8AC3E}">
-        <p14:creationId xmlns:p14="http://schemas.microsoft.com/office/powerpoint/2010/main" val="3418673669"/>
+        <p14:creationId xmlns:p14="http://schemas.microsoft.com/office/powerpoint/2010/main" val="1937060958"/>
       </p:ext>
     </p:extLst>
   </p:cSld>
@@ -6267,78 +6205,6 @@
       </p:grpSpPr>
       <p:sp>
         <p:nvSpPr>
-          <p:cNvPr id="5" name="副標題 4"/>
-          <p:cNvSpPr>
-            <a:spLocks noGrp="1"/>
-          </p:cNvSpPr>
-          <p:nvPr>
-            <p:ph type="subTitle" idx="1"/>
-          </p:nvPr>
-        </p:nvSpPr>
-        <p:spPr/>
-        <p:txBody>
-          <a:bodyPr/>
-          <a:lstStyle/>
-          <a:p>
-            <a:endParaRPr lang="zh-TW" altLang="en-US"/>
-          </a:p>
-        </p:txBody>
-      </p:sp>
-      <p:sp>
-        <p:nvSpPr>
-          <p:cNvPr id="4" name="標題 3"/>
-          <p:cNvSpPr>
-            <a:spLocks noGrp="1"/>
-          </p:cNvSpPr>
-          <p:nvPr>
-            <p:ph type="ctrTitle"/>
-          </p:nvPr>
-        </p:nvSpPr>
-        <p:spPr/>
-        <p:txBody>
-          <a:bodyPr/>
-          <a:lstStyle/>
-          <a:p>
-            <a:r>
-              <a:rPr lang="en-US" altLang="zh-TW" b="1" dirty="0"/>
-              <a:t>Start Python Coding !</a:t>
-            </a:r>
-            <a:endParaRPr lang="zh-TW" altLang="en-US" b="1" dirty="0"/>
-          </a:p>
-        </p:txBody>
-      </p:sp>
-    </p:spTree>
-    <p:extLst>
-      <p:ext uri="{BB962C8B-B14F-4D97-AF65-F5344CB8AC3E}">
-        <p14:creationId xmlns:p14="http://schemas.microsoft.com/office/powerpoint/2010/main" val="1937060958"/>
-      </p:ext>
-    </p:extLst>
-  </p:cSld>
-  <p:clrMapOvr>
-    <a:masterClrMapping/>
-  </p:clrMapOvr>
-</p:sld>
-</file>
-
-<file path=ppt/slides/slide19.xml><?xml version="1.0" encoding="utf-8"?>
-<p:sld xmlns:a="http://schemas.openxmlformats.org/drawingml/2006/main" xmlns:r="http://schemas.openxmlformats.org/officeDocument/2006/relationships" xmlns:p="http://schemas.openxmlformats.org/presentationml/2006/main">
-  <p:cSld>
-    <p:spTree>
-      <p:nvGrpSpPr>
-        <p:cNvPr id="1" name=""/>
-        <p:cNvGrpSpPr/>
-        <p:nvPr/>
-      </p:nvGrpSpPr>
-      <p:grpSpPr>
-        <a:xfrm>
-          <a:off x="0" y="0"/>
-          <a:ext cx="0" cy="0"/>
-          <a:chOff x="0" y="0"/>
-          <a:chExt cx="0" cy="0"/>
-        </a:xfrm>
-      </p:grpSpPr>
-      <p:sp>
-        <p:nvSpPr>
           <p:cNvPr id="2" name="標題 1">
             <a:extLst>
               <a:ext uri="{FF2B5EF4-FFF2-40B4-BE49-F238E27FC236}">
@@ -6501,138 +6367,7 @@
 </p:sld>
 </file>
 
-<file path=ppt/slides/slide2.xml><?xml version="1.0" encoding="utf-8"?>
-<p:sld xmlns:a="http://schemas.openxmlformats.org/drawingml/2006/main" xmlns:r="http://schemas.openxmlformats.org/officeDocument/2006/relationships" xmlns:p="http://schemas.openxmlformats.org/presentationml/2006/main">
-  <p:cSld>
-    <p:spTree>
-      <p:nvGrpSpPr>
-        <p:cNvPr id="1" name=""/>
-        <p:cNvGrpSpPr/>
-        <p:nvPr/>
-      </p:nvGrpSpPr>
-      <p:grpSpPr>
-        <a:xfrm>
-          <a:off x="0" y="0"/>
-          <a:ext cx="0" cy="0"/>
-          <a:chOff x="0" y="0"/>
-          <a:chExt cx="0" cy="0"/>
-        </a:xfrm>
-      </p:grpSpPr>
-      <p:pic>
-        <p:nvPicPr>
-          <p:cNvPr id="2" name="Picture 1"/>
-          <p:cNvPicPr>
-            <a:picLocks noChangeAspect="1"/>
-          </p:cNvPicPr>
-          <p:nvPr/>
-        </p:nvPicPr>
-        <p:blipFill>
-          <a:blip r:embed="rId2"/>
-          <a:stretch>
-            <a:fillRect/>
-          </a:stretch>
-        </p:blipFill>
-        <p:spPr>
-          <a:xfrm>
-            <a:off x="2843808" y="1844824"/>
-            <a:ext cx="3475405" cy="3432232"/>
-          </a:xfrm>
-          <a:prstGeom prst="rect">
-            <a:avLst/>
-          </a:prstGeom>
-        </p:spPr>
-      </p:pic>
-      <p:sp>
-        <p:nvSpPr>
-          <p:cNvPr id="3" name="標題 1"/>
-          <p:cNvSpPr txBox="1">
-            <a:spLocks/>
-          </p:cNvSpPr>
-          <p:nvPr/>
-        </p:nvSpPr>
-        <p:spPr>
-          <a:xfrm>
-            <a:off x="914400" y="274638"/>
-            <a:ext cx="7772400" cy="850106"/>
-          </a:xfrm>
-          <a:prstGeom prst="rect">
-            <a:avLst/>
-          </a:prstGeom>
-        </p:spPr>
-        <p:txBody>
-          <a:bodyPr>
-            <a:normAutofit/>
-          </a:bodyPr>
-          <a:lstStyle>
-            <a:lvl1pPr algn="l" rtl="0" eaLnBrk="1" latinLnBrk="0" hangingPunct="1">
-              <a:spcBef>
-                <a:spcPct val="0"/>
-              </a:spcBef>
-              <a:buNone/>
-              <a:defRPr kumimoji="0" sz="4000" kern="1200">
-                <a:solidFill>
-                  <a:schemeClr val="tx2"/>
-                </a:solidFill>
-                <a:latin typeface="+mj-lt"/>
-                <a:ea typeface="+mj-ea"/>
-                <a:cs typeface="+mj-cs"/>
-              </a:defRPr>
-            </a:lvl1pPr>
-          </a:lstStyle>
-          <a:p>
-            <a:r>
-              <a:rPr lang="en-US" altLang="zh-TW" dirty="0"/>
-              <a:t>Welcome Survey</a:t>
-            </a:r>
-            <a:endParaRPr lang="zh-TW" altLang="en-US" dirty="0"/>
-          </a:p>
-        </p:txBody>
-      </p:sp>
-      <p:sp>
-        <p:nvSpPr>
-          <p:cNvPr id="4" name="Rectangle 3"/>
-          <p:cNvSpPr/>
-          <p:nvPr/>
-        </p:nvSpPr>
-        <p:spPr>
-          <a:xfrm>
-            <a:off x="2835118" y="1475492"/>
-            <a:ext cx="3484095" cy="369332"/>
-          </a:xfrm>
-          <a:prstGeom prst="rect">
-            <a:avLst/>
-          </a:prstGeom>
-        </p:spPr>
-        <p:txBody>
-          <a:bodyPr wrap="none">
-            <a:spAutoFit/>
-          </a:bodyPr>
-          <a:lstStyle/>
-          <a:p>
-            <a:r>
-              <a:rPr lang="en-US" dirty="0">
-                <a:hlinkClick r:id="rId3"/>
-              </a:rPr>
-              <a:t>https://wall2.sli.do/event/zet7cz6o</a:t>
-            </a:r>
-            <a:endParaRPr lang="en-US" dirty="0"/>
-          </a:p>
-        </p:txBody>
-      </p:sp>
-    </p:spTree>
-    <p:extLst>
-      <p:ext uri="{BB962C8B-B14F-4D97-AF65-F5344CB8AC3E}">
-        <p14:creationId xmlns:p14="http://schemas.microsoft.com/office/powerpoint/2010/main" val="1068931112"/>
-      </p:ext>
-    </p:extLst>
-  </p:cSld>
-  <p:clrMapOvr>
-    <a:masterClrMapping/>
-  </p:clrMapOvr>
-</p:sld>
-</file>
-
-<file path=ppt/slides/slide20.xml><?xml version="1.0" encoding="utf-8"?>
+<file path=ppt/slides/slide19.xml><?xml version="1.0" encoding="utf-8"?>
 <p:sld xmlns:a="http://schemas.openxmlformats.org/drawingml/2006/main" xmlns:r="http://schemas.openxmlformats.org/officeDocument/2006/relationships" xmlns:p="http://schemas.openxmlformats.org/presentationml/2006/main">
   <p:cSld>
     <p:spTree>
@@ -7417,7 +7152,111 @@
 </p:sld>
 </file>
 
-<file path=ppt/slides/slide21.xml><?xml version="1.0" encoding="utf-8"?>
+<file path=ppt/slides/slide2.xml><?xml version="1.0" encoding="utf-8"?>
+<p:sld xmlns:a="http://schemas.openxmlformats.org/drawingml/2006/main" xmlns:r="http://schemas.openxmlformats.org/officeDocument/2006/relationships" xmlns:p="http://schemas.openxmlformats.org/presentationml/2006/main">
+  <p:cSld>
+    <p:spTree>
+      <p:nvGrpSpPr>
+        <p:cNvPr id="1" name=""/>
+        <p:cNvGrpSpPr/>
+        <p:nvPr/>
+      </p:nvGrpSpPr>
+      <p:grpSpPr>
+        <a:xfrm>
+          <a:off x="0" y="0"/>
+          <a:ext cx="0" cy="0"/>
+          <a:chOff x="0" y="0"/>
+          <a:chExt cx="0" cy="0"/>
+        </a:xfrm>
+      </p:grpSpPr>
+      <p:sp>
+        <p:nvSpPr>
+          <p:cNvPr id="3" name="副標題 2"/>
+          <p:cNvSpPr>
+            <a:spLocks noGrp="1"/>
+          </p:cNvSpPr>
+          <p:nvPr>
+            <p:ph type="subTitle" idx="1"/>
+          </p:nvPr>
+        </p:nvSpPr>
+        <p:spPr>
+          <a:xfrm>
+            <a:off x="107504" y="3200400"/>
+            <a:ext cx="6400800" cy="1600200"/>
+          </a:xfrm>
+        </p:spPr>
+        <p:txBody>
+          <a:bodyPr/>
+          <a:lstStyle/>
+          <a:p>
+            <a:pPr algn="l"/>
+            <a:r>
+              <a:rPr lang="en-US" altLang="zh-TW" b="1" dirty="0"/>
+              <a:t>Week 1, 22 June 2019</a:t>
+            </a:r>
+          </a:p>
+          <a:p>
+            <a:pPr algn="l"/>
+            <a:r>
+              <a:rPr lang="en-US" altLang="zh-TW" b="1" dirty="0"/>
+              <a:t>By KY Alan Lo</a:t>
+            </a:r>
+            <a:endParaRPr lang="zh-TW" altLang="en-US" b="1" dirty="0"/>
+          </a:p>
+        </p:txBody>
+      </p:sp>
+      <p:sp>
+        <p:nvSpPr>
+          <p:cNvPr id="2" name="標題 1"/>
+          <p:cNvSpPr>
+            <a:spLocks noGrp="1"/>
+          </p:cNvSpPr>
+          <p:nvPr>
+            <p:ph type="ctrTitle"/>
+          </p:nvPr>
+        </p:nvSpPr>
+        <p:spPr>
+          <a:xfrm>
+            <a:off x="107504" y="1505930"/>
+            <a:ext cx="8229600" cy="1470025"/>
+          </a:xfrm>
+        </p:spPr>
+        <p:txBody>
+          <a:bodyPr>
+            <a:normAutofit fontScale="90000"/>
+          </a:bodyPr>
+          <a:lstStyle/>
+          <a:p>
+            <a:pPr algn="l"/>
+            <a:r>
+              <a:rPr lang="en-US" altLang="zh-TW" b="1" dirty="0"/>
+              <a:t>CUHK Statistics Department</a:t>
+            </a:r>
+            <a:br>
+              <a:rPr lang="en-US" altLang="zh-TW" b="1" dirty="0"/>
+            </a:br>
+            <a:r>
+              <a:rPr lang="en-US" altLang="zh-TW" b="1" dirty="0"/>
+              <a:t>Tutorial in Python 101 for Data Science</a:t>
+            </a:r>
+            <a:endParaRPr lang="zh-TW" altLang="en-US" b="1" dirty="0"/>
+          </a:p>
+        </p:txBody>
+      </p:sp>
+    </p:spTree>
+    <p:extLst>
+      <p:ext uri="{BB962C8B-B14F-4D97-AF65-F5344CB8AC3E}">
+        <p14:creationId xmlns:p14="http://schemas.microsoft.com/office/powerpoint/2010/main" val="2883497462"/>
+      </p:ext>
+    </p:extLst>
+  </p:cSld>
+  <p:clrMapOvr>
+    <a:masterClrMapping/>
+  </p:clrMapOvr>
+</p:sld>
+</file>
+
+<file path=ppt/slides/slide20.xml><?xml version="1.0" encoding="utf-8"?>
 <p:sld xmlns:a="http://schemas.openxmlformats.org/drawingml/2006/main" xmlns:r="http://schemas.openxmlformats.org/officeDocument/2006/relationships" xmlns:p="http://schemas.openxmlformats.org/presentationml/2006/main">
   <p:cSld>
     <p:spTree>
@@ -8239,7 +8078,7 @@
 </p:sld>
 </file>
 
-<file path=ppt/slides/slide22.xml><?xml version="1.0" encoding="utf-8"?>
+<file path=ppt/slides/slide21.xml><?xml version="1.0" encoding="utf-8"?>
 <p:sld xmlns:a="http://schemas.openxmlformats.org/drawingml/2006/main" xmlns:r="http://schemas.openxmlformats.org/officeDocument/2006/relationships" xmlns:p="http://schemas.openxmlformats.org/presentationml/2006/main">
   <p:cSld>
     <p:spTree>
@@ -8387,7 +8226,7 @@
 </p:sld>
 </file>
 
-<file path=ppt/slides/slide23.xml><?xml version="1.0" encoding="utf-8"?>
+<file path=ppt/slides/slide22.xml><?xml version="1.0" encoding="utf-8"?>
 <p:sld xmlns:a="http://schemas.openxmlformats.org/drawingml/2006/main" xmlns:r="http://schemas.openxmlformats.org/officeDocument/2006/relationships" xmlns:p="http://schemas.openxmlformats.org/presentationml/2006/main">
   <p:cSld>
     <p:spTree>
@@ -9621,7 +9460,7 @@
 </p:sld>
 </file>
 
-<file path=ppt/slides/slide24.xml><?xml version="1.0" encoding="utf-8"?>
+<file path=ppt/slides/slide23.xml><?xml version="1.0" encoding="utf-8"?>
 <p:sld xmlns:a="http://schemas.openxmlformats.org/drawingml/2006/main" xmlns:r="http://schemas.openxmlformats.org/officeDocument/2006/relationships" xmlns:p="http://schemas.openxmlformats.org/presentationml/2006/main">
   <p:cSld>
     <p:spTree>
@@ -10780,7 +10619,7 @@
 </p:sld>
 </file>
 
-<file path=ppt/slides/slide25.xml><?xml version="1.0" encoding="utf-8"?>
+<file path=ppt/slides/slide24.xml><?xml version="1.0" encoding="utf-8"?>
 <p:sld xmlns:a="http://schemas.openxmlformats.org/drawingml/2006/main" xmlns:r="http://schemas.openxmlformats.org/officeDocument/2006/relationships" xmlns:p="http://schemas.openxmlformats.org/presentationml/2006/main">
   <p:cSld>
     <p:spTree>
@@ -11178,7 +11017,7 @@
 </p:sld>
 </file>
 
-<file path=ppt/slides/slide26.xml><?xml version="1.0" encoding="utf-8"?>
+<file path=ppt/slides/slide25.xml><?xml version="1.0" encoding="utf-8"?>
 <p:sld xmlns:a="http://schemas.openxmlformats.org/drawingml/2006/main" xmlns:r="http://schemas.openxmlformats.org/officeDocument/2006/relationships" xmlns:p="http://schemas.openxmlformats.org/presentationml/2006/main">
   <p:cSld>
     <p:spTree>
@@ -11385,7 +11224,7 @@
 </p:sld>
 </file>
 
-<file path=ppt/slides/slide27.xml><?xml version="1.0" encoding="utf-8"?>
+<file path=ppt/slides/slide26.xml><?xml version="1.0" encoding="utf-8"?>
 <p:sld xmlns:a="http://schemas.openxmlformats.org/drawingml/2006/main" xmlns:r="http://schemas.openxmlformats.org/officeDocument/2006/relationships" xmlns:p="http://schemas.openxmlformats.org/presentationml/2006/main">
   <p:cSld>
     <p:spTree>
@@ -11528,7 +11367,7 @@
 </p:sld>
 </file>
 
-<file path=ppt/slides/slide28.xml><?xml version="1.0" encoding="utf-8"?>
+<file path=ppt/slides/slide27.xml><?xml version="1.0" encoding="utf-8"?>
 <p:sld xmlns:a="http://schemas.openxmlformats.org/drawingml/2006/main" xmlns:r="http://schemas.openxmlformats.org/officeDocument/2006/relationships" xmlns:p="http://schemas.openxmlformats.org/presentationml/2006/main">
   <p:cSld>
     <p:spTree>
@@ -11690,7 +11529,7 @@
 </p:sld>
 </file>
 
-<file path=ppt/slides/slide29.xml><?xml version="1.0" encoding="utf-8"?>
+<file path=ppt/slides/slide28.xml><?xml version="1.0" encoding="utf-8"?>
 <p:sld xmlns:a="http://schemas.openxmlformats.org/drawingml/2006/main" xmlns:r="http://schemas.openxmlformats.org/officeDocument/2006/relationships" xmlns:p="http://schemas.openxmlformats.org/presentationml/2006/main">
   <p:cSld>
     <p:spTree>
@@ -11871,111 +11710,7 @@
 </p:sld>
 </file>
 
-<file path=ppt/slides/slide3.xml><?xml version="1.0" encoding="utf-8"?>
-<p:sld xmlns:a="http://schemas.openxmlformats.org/drawingml/2006/main" xmlns:r="http://schemas.openxmlformats.org/officeDocument/2006/relationships" xmlns:p="http://schemas.openxmlformats.org/presentationml/2006/main">
-  <p:cSld>
-    <p:spTree>
-      <p:nvGrpSpPr>
-        <p:cNvPr id="1" name=""/>
-        <p:cNvGrpSpPr/>
-        <p:nvPr/>
-      </p:nvGrpSpPr>
-      <p:grpSpPr>
-        <a:xfrm>
-          <a:off x="0" y="0"/>
-          <a:ext cx="0" cy="0"/>
-          <a:chOff x="0" y="0"/>
-          <a:chExt cx="0" cy="0"/>
-        </a:xfrm>
-      </p:grpSpPr>
-      <p:sp>
-        <p:nvSpPr>
-          <p:cNvPr id="3" name="副標題 2"/>
-          <p:cNvSpPr>
-            <a:spLocks noGrp="1"/>
-          </p:cNvSpPr>
-          <p:nvPr>
-            <p:ph type="subTitle" idx="1"/>
-          </p:nvPr>
-        </p:nvSpPr>
-        <p:spPr>
-          <a:xfrm>
-            <a:off x="107504" y="3200400"/>
-            <a:ext cx="6400800" cy="1600200"/>
-          </a:xfrm>
-        </p:spPr>
-        <p:txBody>
-          <a:bodyPr/>
-          <a:lstStyle/>
-          <a:p>
-            <a:pPr algn="l"/>
-            <a:r>
-              <a:rPr lang="en-US" altLang="zh-TW" b="1" dirty="0"/>
-              <a:t>Week 1, 22 June 2019</a:t>
-            </a:r>
-          </a:p>
-          <a:p>
-            <a:pPr algn="l"/>
-            <a:r>
-              <a:rPr lang="en-US" altLang="zh-TW" b="1" dirty="0"/>
-              <a:t>By KY Alan Lo</a:t>
-            </a:r>
-            <a:endParaRPr lang="zh-TW" altLang="en-US" b="1" dirty="0"/>
-          </a:p>
-        </p:txBody>
-      </p:sp>
-      <p:sp>
-        <p:nvSpPr>
-          <p:cNvPr id="2" name="標題 1"/>
-          <p:cNvSpPr>
-            <a:spLocks noGrp="1"/>
-          </p:cNvSpPr>
-          <p:nvPr>
-            <p:ph type="ctrTitle"/>
-          </p:nvPr>
-        </p:nvSpPr>
-        <p:spPr>
-          <a:xfrm>
-            <a:off x="107504" y="1505930"/>
-            <a:ext cx="8229600" cy="1470025"/>
-          </a:xfrm>
-        </p:spPr>
-        <p:txBody>
-          <a:bodyPr>
-            <a:normAutofit fontScale="90000"/>
-          </a:bodyPr>
-          <a:lstStyle/>
-          <a:p>
-            <a:pPr algn="l"/>
-            <a:r>
-              <a:rPr lang="en-US" altLang="zh-TW" b="1" dirty="0"/>
-              <a:t>CUHK Statistics Department</a:t>
-            </a:r>
-            <a:br>
-              <a:rPr lang="en-US" altLang="zh-TW" b="1" dirty="0"/>
-            </a:br>
-            <a:r>
-              <a:rPr lang="en-US" altLang="zh-TW" b="1" dirty="0"/>
-              <a:t>Tutorial in Python 101 for Data Science</a:t>
-            </a:r>
-            <a:endParaRPr lang="zh-TW" altLang="en-US" b="1" dirty="0"/>
-          </a:p>
-        </p:txBody>
-      </p:sp>
-    </p:spTree>
-    <p:extLst>
-      <p:ext uri="{BB962C8B-B14F-4D97-AF65-F5344CB8AC3E}">
-        <p14:creationId xmlns:p14="http://schemas.microsoft.com/office/powerpoint/2010/main" val="2883497462"/>
-      </p:ext>
-    </p:extLst>
-  </p:cSld>
-  <p:clrMapOvr>
-    <a:masterClrMapping/>
-  </p:clrMapOvr>
-</p:sld>
-</file>
-
-<file path=ppt/slides/slide30.xml><?xml version="1.0" encoding="utf-8"?>
+<file path=ppt/slides/slide29.xml><?xml version="1.0" encoding="utf-8"?>
 <p:sld xmlns:a="http://schemas.openxmlformats.org/drawingml/2006/main" xmlns:r="http://schemas.openxmlformats.org/officeDocument/2006/relationships" xmlns:p="http://schemas.openxmlformats.org/presentationml/2006/main">
   <p:cSld>
     <p:spTree>
@@ -12160,7 +11895,672 @@
 </p:sld>
 </file>
 
-<file path=ppt/slides/slide31.xml><?xml version="1.0" encoding="utf-8"?>
+<file path=ppt/slides/slide3.xml><?xml version="1.0" encoding="utf-8"?>
+<p:sld xmlns:a="http://schemas.openxmlformats.org/drawingml/2006/main" xmlns:r="http://schemas.openxmlformats.org/officeDocument/2006/relationships" xmlns:p="http://schemas.openxmlformats.org/presentationml/2006/main">
+  <p:cSld>
+    <p:spTree>
+      <p:nvGrpSpPr>
+        <p:cNvPr id="1" name=""/>
+        <p:cNvGrpSpPr/>
+        <p:nvPr/>
+      </p:nvGrpSpPr>
+      <p:grpSpPr>
+        <a:xfrm>
+          <a:off x="0" y="0"/>
+          <a:ext cx="0" cy="0"/>
+          <a:chOff x="0" y="0"/>
+          <a:chExt cx="0" cy="0"/>
+        </a:xfrm>
+      </p:grpSpPr>
+      <p:sp>
+        <p:nvSpPr>
+          <p:cNvPr id="2" name="標題 1"/>
+          <p:cNvSpPr>
+            <a:spLocks noGrp="1"/>
+          </p:cNvSpPr>
+          <p:nvPr>
+            <p:ph type="title"/>
+          </p:nvPr>
+        </p:nvSpPr>
+        <p:spPr>
+          <a:xfrm>
+            <a:off x="914400" y="274638"/>
+            <a:ext cx="7772400" cy="670860"/>
+          </a:xfrm>
+        </p:spPr>
+        <p:txBody>
+          <a:bodyPr>
+            <a:normAutofit fontScale="90000"/>
+          </a:bodyPr>
+          <a:lstStyle/>
+          <a:p>
+            <a:r>
+              <a:rPr lang="en-US" altLang="zh-TW" dirty="0"/>
+              <a:t>Self-Introduction</a:t>
+            </a:r>
+            <a:endParaRPr lang="zh-TW" altLang="en-US" dirty="0"/>
+          </a:p>
+        </p:txBody>
+      </p:sp>
+      <p:sp>
+        <p:nvSpPr>
+          <p:cNvPr id="3" name="內容版面配置區 2"/>
+          <p:cNvSpPr>
+            <a:spLocks noGrp="1"/>
+          </p:cNvSpPr>
+          <p:nvPr>
+            <p:ph sz="quarter" idx="1"/>
+          </p:nvPr>
+        </p:nvSpPr>
+        <p:spPr>
+          <a:xfrm>
+            <a:off x="903973" y="874483"/>
+            <a:ext cx="6249888" cy="5167356"/>
+          </a:xfrm>
+        </p:spPr>
+        <p:txBody>
+          <a:bodyPr>
+            <a:normAutofit fontScale="70000" lnSpcReduction="20000"/>
+          </a:bodyPr>
+          <a:lstStyle/>
+          <a:p>
+            <a:r>
+              <a:rPr lang="en-US" altLang="zh-TW" dirty="0"/>
+              <a:t>2008 July </a:t>
+            </a:r>
+            <a:br>
+              <a:rPr lang="en-US" altLang="zh-TW" dirty="0"/>
+            </a:br>
+            <a:r>
+              <a:rPr lang="en-US" altLang="zh-TW" dirty="0"/>
+              <a:t>BSc in Statistics CUHK (1</a:t>
+            </a:r>
+            <a:r>
+              <a:rPr lang="en-US" altLang="zh-TW" baseline="30000" dirty="0"/>
+              <a:t>st</a:t>
+            </a:r>
+            <a:r>
+              <a:rPr lang="en-US" altLang="zh-TW" dirty="0"/>
+              <a:t> </a:t>
+            </a:r>
+            <a:r>
+              <a:rPr lang="en-US" altLang="zh-TW" dirty="0" err="1"/>
+              <a:t>Hons</a:t>
+            </a:r>
+            <a:r>
+              <a:rPr lang="en-US" altLang="zh-TW" dirty="0"/>
+              <a:t>)</a:t>
+            </a:r>
+            <a:br>
+              <a:rPr lang="en-US" altLang="zh-TW" dirty="0"/>
+            </a:br>
+            <a:r>
+              <a:rPr lang="en-US" altLang="zh-TW" dirty="0"/>
+              <a:t>in Data Science and Bus. Stat. Stream</a:t>
+            </a:r>
+          </a:p>
+          <a:p>
+            <a:r>
+              <a:rPr lang="en-US" altLang="zh-TW" dirty="0"/>
+              <a:t>2010</a:t>
+            </a:r>
+            <a:r>
+              <a:rPr lang="zh-TW" altLang="en-US" dirty="0"/>
+              <a:t> </a:t>
+            </a:r>
+            <a:r>
+              <a:rPr lang="en-US" altLang="zh-TW" dirty="0"/>
+              <a:t>July </a:t>
+            </a:r>
+            <a:br>
+              <a:rPr lang="en-US" altLang="zh-TW" dirty="0"/>
+            </a:br>
+            <a:r>
+              <a:rPr lang="en-US" altLang="zh-TW" dirty="0"/>
+              <a:t>MPhil in Statistics CUHK</a:t>
+            </a:r>
+            <a:br>
+              <a:rPr lang="en-US" altLang="zh-TW" dirty="0"/>
+            </a:br>
+            <a:r>
+              <a:rPr lang="en-US" altLang="zh-TW" dirty="0"/>
+              <a:t>under Supervised by Prof. Ben Chan</a:t>
+            </a:r>
+          </a:p>
+          <a:p>
+            <a:r>
+              <a:rPr lang="en-US" altLang="zh-TW" dirty="0"/>
+              <a:t>2010 Oct – 2013 Sept</a:t>
+            </a:r>
+            <a:br>
+              <a:rPr lang="en-US" altLang="zh-TW" dirty="0"/>
+            </a:br>
+            <a:r>
+              <a:rPr lang="en-US" altLang="zh-TW" dirty="0"/>
+              <a:t>Research Analyst – </a:t>
+            </a:r>
+            <a:r>
+              <a:rPr lang="en-US" altLang="zh-TW" dirty="0" err="1"/>
+              <a:t>Algo</a:t>
+            </a:r>
+            <a:r>
+              <a:rPr lang="en-US" altLang="zh-TW" dirty="0"/>
+              <a:t> Trading</a:t>
+            </a:r>
+            <a:br>
+              <a:rPr lang="en-US" altLang="zh-TW" dirty="0"/>
+            </a:br>
+            <a:r>
+              <a:rPr lang="en-US" altLang="zh-TW" dirty="0"/>
+              <a:t>CASH Dynamic Opportunities Investment</a:t>
+            </a:r>
+          </a:p>
+          <a:p>
+            <a:r>
+              <a:rPr lang="en-US" altLang="zh-TW" dirty="0"/>
+              <a:t>2013 Sept – 2014 Sept</a:t>
+            </a:r>
+            <a:br>
+              <a:rPr lang="en-US" altLang="zh-TW" dirty="0"/>
+            </a:br>
+            <a:r>
+              <a:rPr lang="en-US" altLang="zh-TW" dirty="0"/>
+              <a:t>Quantitative Analyst – IT Consulting</a:t>
+            </a:r>
+            <a:br>
+              <a:rPr lang="en-US" altLang="zh-TW" dirty="0"/>
+            </a:br>
+            <a:r>
+              <a:rPr lang="en-US" altLang="zh-TW" dirty="0"/>
+              <a:t>Long Term Intelligence</a:t>
+            </a:r>
+          </a:p>
+          <a:p>
+            <a:r>
+              <a:rPr lang="en-US" altLang="zh-TW" dirty="0"/>
+              <a:t>2014 Sept – 2015 Sept</a:t>
+            </a:r>
+            <a:br>
+              <a:rPr lang="en-US" altLang="zh-TW" dirty="0"/>
+            </a:br>
+            <a:r>
+              <a:rPr lang="en-US" altLang="zh-TW" dirty="0"/>
+              <a:t>Project Officer - Environmental Predictive </a:t>
+            </a:r>
+            <a:r>
+              <a:rPr lang="en-US" altLang="zh-TW" dirty="0" err="1"/>
+              <a:t>Modelling</a:t>
+            </a:r>
+            <a:r>
+              <a:rPr lang="en-US" altLang="zh-TW" dirty="0"/>
+              <a:t/>
+            </a:r>
+            <a:br>
+              <a:rPr lang="en-US" altLang="zh-TW" dirty="0"/>
+            </a:br>
+            <a:r>
+              <a:rPr lang="en-US" altLang="zh-TW" dirty="0"/>
+              <a:t>Environmental Protection </a:t>
+            </a:r>
+            <a:r>
+              <a:rPr lang="en-US" altLang="zh-TW" dirty="0" err="1"/>
+              <a:t>Dept</a:t>
+            </a:r>
+            <a:r>
+              <a:rPr lang="en-US" altLang="zh-TW" dirty="0"/>
+              <a:t>, HK Gov’t</a:t>
+            </a:r>
+          </a:p>
+          <a:p>
+            <a:r>
+              <a:rPr lang="en-US" altLang="zh-TW" dirty="0"/>
+              <a:t>2016 March – 2018 Dec</a:t>
+            </a:r>
+            <a:br>
+              <a:rPr lang="en-US" altLang="zh-TW" dirty="0"/>
+            </a:br>
+            <a:r>
+              <a:rPr lang="en-US" altLang="zh-TW" dirty="0"/>
+              <a:t>Data Scientist – Group IT, </a:t>
+            </a:r>
+            <a:r>
+              <a:rPr lang="en-US" altLang="zh-TW" dirty="0" err="1"/>
+              <a:t>CoE</a:t>
+            </a:r>
+            <a:r>
+              <a:rPr lang="en-US" altLang="zh-TW" dirty="0"/>
+              <a:t> Analytics</a:t>
+            </a:r>
+            <a:br>
+              <a:rPr lang="en-US" altLang="zh-TW" dirty="0"/>
+            </a:br>
+            <a:r>
+              <a:rPr lang="en-US" altLang="zh-TW" dirty="0"/>
+              <a:t>CLP Power Limited</a:t>
+            </a:r>
+          </a:p>
+          <a:p>
+            <a:r>
+              <a:rPr lang="en-HK" altLang="zh-TW" dirty="0"/>
+              <a:t>2019 February – NOW</a:t>
+            </a:r>
+            <a:br>
+              <a:rPr lang="en-HK" altLang="zh-TW" dirty="0"/>
+            </a:br>
+            <a:r>
+              <a:rPr lang="en-HK" altLang="zh-TW" dirty="0"/>
+              <a:t>Data Scientist, Data Analytics Manager – Chief Data Office</a:t>
+            </a:r>
+            <a:br>
+              <a:rPr lang="en-HK" altLang="zh-TW" dirty="0"/>
+            </a:br>
+            <a:r>
+              <a:rPr lang="en-HK" altLang="zh-TW" dirty="0"/>
+              <a:t>Hang Seng Bank Limited</a:t>
+            </a:r>
+            <a:endParaRPr lang="zh-TW" altLang="en-US" dirty="0"/>
+          </a:p>
+        </p:txBody>
+      </p:sp>
+      <p:pic>
+        <p:nvPicPr>
+          <p:cNvPr id="1026" name="Picture 2" descr="https://avatars3.githubusercontent.com/u/15514661?s=400&amp;v=4"/>
+          <p:cNvPicPr>
+            <a:picLocks noChangeAspect="1" noChangeArrowheads="1"/>
+          </p:cNvPicPr>
+          <p:nvPr/>
+        </p:nvPicPr>
+        <p:blipFill>
+          <a:blip r:embed="rId2">
+            <a:extLst>
+              <a:ext uri="{28A0092B-C50C-407E-A947-70E740481C1C}">
+                <a14:useLocalDpi xmlns:a14="http://schemas.microsoft.com/office/drawing/2010/main" val="0"/>
+              </a:ext>
+            </a:extLst>
+          </a:blip>
+          <a:srcRect/>
+          <a:stretch>
+            <a:fillRect/>
+          </a:stretch>
+        </p:blipFill>
+        <p:spPr bwMode="auto">
+          <a:xfrm>
+            <a:off x="6156176" y="1412776"/>
+            <a:ext cx="2441848" cy="2441848"/>
+          </a:xfrm>
+          <a:prstGeom prst="rect">
+            <a:avLst/>
+          </a:prstGeom>
+          <a:noFill/>
+          <a:extLst>
+            <a:ext uri="{909E8E84-426E-40DD-AFC4-6F175D3DCCD1}">
+              <a14:hiddenFill xmlns:a14="http://schemas.microsoft.com/office/drawing/2010/main">
+                <a:solidFill>
+                  <a:srgbClr val="FFFFFF"/>
+                </a:solidFill>
+              </a14:hiddenFill>
+            </a:ext>
+          </a:extLst>
+        </p:spPr>
+      </p:pic>
+      <p:sp>
+        <p:nvSpPr>
+          <p:cNvPr id="4" name="AutoShape 4" descr="linkedin iconçåçæå°çµæ"/>
+          <p:cNvSpPr>
+            <a:spLocks noChangeAspect="1" noChangeArrowheads="1"/>
+          </p:cNvSpPr>
+          <p:nvPr/>
+        </p:nvSpPr>
+        <p:spPr bwMode="auto">
+          <a:xfrm>
+            <a:off x="155575" y="-144463"/>
+            <a:ext cx="304800" cy="304801"/>
+          </a:xfrm>
+          <a:prstGeom prst="rect">
+            <a:avLst/>
+          </a:prstGeom>
+          <a:noFill/>
+          <a:extLst>
+            <a:ext uri="{909E8E84-426E-40DD-AFC4-6F175D3DCCD1}">
+              <a14:hiddenFill xmlns:a14="http://schemas.microsoft.com/office/drawing/2010/main">
+                <a:solidFill>
+                  <a:srgbClr val="FFFFFF"/>
+                </a:solidFill>
+              </a14:hiddenFill>
+            </a:ext>
+          </a:extLst>
+        </p:spPr>
+        <p:txBody>
+          <a:bodyPr vert="horz" wrap="square" lIns="91440" tIns="45720" rIns="91440" bIns="45720" numCol="1" anchor="t" anchorCtr="0" compatLnSpc="1">
+            <a:prstTxWarp prst="textNoShape">
+              <a:avLst/>
+            </a:prstTxWarp>
+          </a:bodyPr>
+          <a:lstStyle/>
+          <a:p>
+            <a:endParaRPr lang="zh-TW" altLang="en-US"/>
+          </a:p>
+        </p:txBody>
+      </p:sp>
+      <p:sp>
+        <p:nvSpPr>
+          <p:cNvPr id="5" name="AutoShape 6" descr="linkedin iconçåçæå°çµæ"/>
+          <p:cNvSpPr>
+            <a:spLocks noChangeAspect="1" noChangeArrowheads="1"/>
+          </p:cNvSpPr>
+          <p:nvPr/>
+        </p:nvSpPr>
+        <p:spPr bwMode="auto">
+          <a:xfrm>
+            <a:off x="307975" y="7937"/>
+            <a:ext cx="304800" cy="304801"/>
+          </a:xfrm>
+          <a:prstGeom prst="rect">
+            <a:avLst/>
+          </a:prstGeom>
+          <a:noFill/>
+          <a:extLst>
+            <a:ext uri="{909E8E84-426E-40DD-AFC4-6F175D3DCCD1}">
+              <a14:hiddenFill xmlns:a14="http://schemas.microsoft.com/office/drawing/2010/main">
+                <a:solidFill>
+                  <a:srgbClr val="FFFFFF"/>
+                </a:solidFill>
+              </a14:hiddenFill>
+            </a:ext>
+          </a:extLst>
+        </p:spPr>
+        <p:txBody>
+          <a:bodyPr vert="horz" wrap="square" lIns="91440" tIns="45720" rIns="91440" bIns="45720" numCol="1" anchor="t" anchorCtr="0" compatLnSpc="1">
+            <a:prstTxWarp prst="textNoShape">
+              <a:avLst/>
+            </a:prstTxWarp>
+          </a:bodyPr>
+          <a:lstStyle/>
+          <a:p>
+            <a:endParaRPr lang="zh-TW" altLang="en-US"/>
+          </a:p>
+        </p:txBody>
+      </p:sp>
+      <p:sp>
+        <p:nvSpPr>
+          <p:cNvPr id="6" name="AutoShape 8" descr="linkedin iconçåçæå°çµæ"/>
+          <p:cNvSpPr>
+            <a:spLocks noChangeAspect="1" noChangeArrowheads="1"/>
+          </p:cNvSpPr>
+          <p:nvPr/>
+        </p:nvSpPr>
+        <p:spPr bwMode="auto">
+          <a:xfrm>
+            <a:off x="460375" y="160337"/>
+            <a:ext cx="304800" cy="304801"/>
+          </a:xfrm>
+          <a:prstGeom prst="rect">
+            <a:avLst/>
+          </a:prstGeom>
+          <a:noFill/>
+          <a:extLst>
+            <a:ext uri="{909E8E84-426E-40DD-AFC4-6F175D3DCCD1}">
+              <a14:hiddenFill xmlns:a14="http://schemas.microsoft.com/office/drawing/2010/main">
+                <a:solidFill>
+                  <a:srgbClr val="FFFFFF"/>
+                </a:solidFill>
+              </a14:hiddenFill>
+            </a:ext>
+          </a:extLst>
+        </p:spPr>
+        <p:txBody>
+          <a:bodyPr vert="horz" wrap="square" lIns="91440" tIns="45720" rIns="91440" bIns="45720" numCol="1" anchor="t" anchorCtr="0" compatLnSpc="1">
+            <a:prstTxWarp prst="textNoShape">
+              <a:avLst/>
+            </a:prstTxWarp>
+          </a:bodyPr>
+          <a:lstStyle/>
+          <a:p>
+            <a:endParaRPr lang="zh-TW" altLang="en-US"/>
+          </a:p>
+        </p:txBody>
+      </p:sp>
+      <p:pic>
+        <p:nvPicPr>
+          <p:cNvPr id="1033" name="Picture 9"/>
+          <p:cNvPicPr>
+            <a:picLocks noChangeAspect="1" noChangeArrowheads="1"/>
+          </p:cNvPicPr>
+          <p:nvPr/>
+        </p:nvPicPr>
+        <p:blipFill>
+          <a:blip r:embed="rId3" cstate="print">
+            <a:extLst>
+              <a:ext uri="{28A0092B-C50C-407E-A947-70E740481C1C}">
+                <a14:useLocalDpi xmlns:a14="http://schemas.microsoft.com/office/drawing/2010/main" val="0"/>
+              </a:ext>
+            </a:extLst>
+          </a:blip>
+          <a:srcRect/>
+          <a:stretch>
+            <a:fillRect/>
+          </a:stretch>
+        </p:blipFill>
+        <p:spPr bwMode="auto">
+          <a:xfrm>
+            <a:off x="5439909" y="198203"/>
+            <a:ext cx="369332" cy="369332"/>
+          </a:xfrm>
+          <a:prstGeom prst="rect">
+            <a:avLst/>
+          </a:prstGeom>
+          <a:noFill/>
+          <a:ln>
+            <a:noFill/>
+          </a:ln>
+          <a:effectLst/>
+          <a:extLst>
+            <a:ext uri="{909E8E84-426E-40DD-AFC4-6F175D3DCCD1}">
+              <a14:hiddenFill xmlns:a14="http://schemas.microsoft.com/office/drawing/2010/main">
+                <a:solidFill>
+                  <a:schemeClr val="accent1"/>
+                </a:solidFill>
+              </a14:hiddenFill>
+            </a:ext>
+            <a:ext uri="{91240B29-F687-4F45-9708-019B960494DF}">
+              <a14:hiddenLine xmlns:a14="http://schemas.microsoft.com/office/drawing/2010/main" w="9525">
+                <a:solidFill>
+                  <a:schemeClr val="tx1"/>
+                </a:solidFill>
+                <a:miter lim="800000"/>
+                <a:headEnd/>
+                <a:tailEnd/>
+              </a14:hiddenLine>
+            </a:ext>
+            <a:ext uri="{AF507438-7753-43E0-B8FC-AC1667EBCBE1}">
+              <a14:hiddenEffects xmlns:a14="http://schemas.microsoft.com/office/drawing/2010/main">
+                <a:effectLst>
+                  <a:outerShdw dist="35921" dir="2700000" algn="ctr" rotWithShape="0">
+                    <a:schemeClr val="bg2"/>
+                  </a:outerShdw>
+                </a:effectLst>
+              </a14:hiddenEffects>
+            </a:ext>
+          </a:extLst>
+        </p:spPr>
+      </p:pic>
+      <p:sp>
+        <p:nvSpPr>
+          <p:cNvPr id="7" name="文字方塊 6"/>
+          <p:cNvSpPr txBox="1"/>
+          <p:nvPr/>
+        </p:nvSpPr>
+        <p:spPr>
+          <a:xfrm>
+            <a:off x="5874568" y="198202"/>
+            <a:ext cx="3233936" cy="369332"/>
+          </a:xfrm>
+          <a:prstGeom prst="rect">
+            <a:avLst/>
+          </a:prstGeom>
+          <a:noFill/>
+        </p:spPr>
+        <p:txBody>
+          <a:bodyPr wrap="square" rtlCol="0">
+            <a:spAutoFit/>
+          </a:bodyPr>
+          <a:lstStyle/>
+          <a:p>
+            <a:r>
+              <a:rPr lang="en-US" altLang="zh-TW" dirty="0"/>
+              <a:t>www.linkedin.com/in/kyalanlo/</a:t>
+            </a:r>
+            <a:endParaRPr lang="zh-TW" altLang="en-US" dirty="0"/>
+          </a:p>
+        </p:txBody>
+      </p:sp>
+      <p:sp>
+        <p:nvSpPr>
+          <p:cNvPr id="10" name="文字方塊 9"/>
+          <p:cNvSpPr txBox="1"/>
+          <p:nvPr/>
+        </p:nvSpPr>
+        <p:spPr>
+          <a:xfrm>
+            <a:off x="5874568" y="665480"/>
+            <a:ext cx="3233936" cy="369332"/>
+          </a:xfrm>
+          <a:prstGeom prst="rect">
+            <a:avLst/>
+          </a:prstGeom>
+          <a:noFill/>
+        </p:spPr>
+        <p:txBody>
+          <a:bodyPr wrap="square" rtlCol="0">
+            <a:spAutoFit/>
+          </a:bodyPr>
+          <a:lstStyle/>
+          <a:p>
+            <a:r>
+              <a:rPr lang="en-US" altLang="zh-TW" dirty="0"/>
+              <a:t>kyalan.2013@gmail.com</a:t>
+            </a:r>
+            <a:endParaRPr lang="zh-TW" altLang="en-US" dirty="0"/>
+          </a:p>
+        </p:txBody>
+      </p:sp>
+      <p:sp>
+        <p:nvSpPr>
+          <p:cNvPr id="8" name="AutoShape 11" descr="email iconçåçæå°çµæ"/>
+          <p:cNvSpPr>
+            <a:spLocks noChangeAspect="1" noChangeArrowheads="1"/>
+          </p:cNvSpPr>
+          <p:nvPr/>
+        </p:nvSpPr>
+        <p:spPr bwMode="auto">
+          <a:xfrm>
+            <a:off x="612775" y="312737"/>
+            <a:ext cx="304800" cy="304801"/>
+          </a:xfrm>
+          <a:prstGeom prst="rect">
+            <a:avLst/>
+          </a:prstGeom>
+          <a:noFill/>
+          <a:extLst>
+            <a:ext uri="{909E8E84-426E-40DD-AFC4-6F175D3DCCD1}">
+              <a14:hiddenFill xmlns:a14="http://schemas.microsoft.com/office/drawing/2010/main">
+                <a:solidFill>
+                  <a:srgbClr val="FFFFFF"/>
+                </a:solidFill>
+              </a14:hiddenFill>
+            </a:ext>
+          </a:extLst>
+        </p:spPr>
+        <p:txBody>
+          <a:bodyPr vert="horz" wrap="square" lIns="91440" tIns="45720" rIns="91440" bIns="45720" numCol="1" anchor="t" anchorCtr="0" compatLnSpc="1">
+            <a:prstTxWarp prst="textNoShape">
+              <a:avLst/>
+            </a:prstTxWarp>
+          </a:bodyPr>
+          <a:lstStyle/>
+          <a:p>
+            <a:endParaRPr lang="zh-TW" altLang="en-US"/>
+          </a:p>
+        </p:txBody>
+      </p:sp>
+      <p:pic>
+        <p:nvPicPr>
+          <p:cNvPr id="1036" name="Picture 12"/>
+          <p:cNvPicPr>
+            <a:picLocks noChangeAspect="1" noChangeArrowheads="1"/>
+          </p:cNvPicPr>
+          <p:nvPr/>
+        </p:nvPicPr>
+        <p:blipFill>
+          <a:blip r:embed="rId4" cstate="print">
+            <a:extLst>
+              <a:ext uri="{28A0092B-C50C-407E-A947-70E740481C1C}">
+                <a14:useLocalDpi xmlns:a14="http://schemas.microsoft.com/office/drawing/2010/main" val="0"/>
+              </a:ext>
+            </a:extLst>
+          </a:blip>
+          <a:srcRect/>
+          <a:stretch>
+            <a:fillRect/>
+          </a:stretch>
+        </p:blipFill>
+        <p:spPr bwMode="auto">
+          <a:xfrm>
+            <a:off x="5440492" y="682899"/>
+            <a:ext cx="344802" cy="344802"/>
+          </a:xfrm>
+          <a:prstGeom prst="rect">
+            <a:avLst/>
+          </a:prstGeom>
+          <a:noFill/>
+          <a:ln>
+            <a:noFill/>
+          </a:ln>
+          <a:effectLst/>
+          <a:extLst>
+            <a:ext uri="{909E8E84-426E-40DD-AFC4-6F175D3DCCD1}">
+              <a14:hiddenFill xmlns:a14="http://schemas.microsoft.com/office/drawing/2010/main">
+                <a:solidFill>
+                  <a:schemeClr val="accent1"/>
+                </a:solidFill>
+              </a14:hiddenFill>
+            </a:ext>
+            <a:ext uri="{91240B29-F687-4F45-9708-019B960494DF}">
+              <a14:hiddenLine xmlns:a14="http://schemas.microsoft.com/office/drawing/2010/main" w="9525">
+                <a:solidFill>
+                  <a:schemeClr val="tx1"/>
+                </a:solidFill>
+                <a:miter lim="800000"/>
+                <a:headEnd/>
+                <a:tailEnd/>
+              </a14:hiddenLine>
+            </a:ext>
+            <a:ext uri="{AF507438-7753-43E0-B8FC-AC1667EBCBE1}">
+              <a14:hiddenEffects xmlns:a14="http://schemas.microsoft.com/office/drawing/2010/main">
+                <a:effectLst>
+                  <a:outerShdw dist="35921" dir="2700000" algn="ctr" rotWithShape="0">
+                    <a:schemeClr val="bg2"/>
+                  </a:outerShdw>
+                </a:effectLst>
+              </a14:hiddenEffects>
+            </a:ext>
+          </a:extLst>
+        </p:spPr>
+      </p:pic>
+    </p:spTree>
+    <p:extLst>
+      <p:ext uri="{BB962C8B-B14F-4D97-AF65-F5344CB8AC3E}">
+        <p14:creationId xmlns:p14="http://schemas.microsoft.com/office/powerpoint/2010/main" val="2712827271"/>
+      </p:ext>
+    </p:extLst>
+  </p:cSld>
+  <p:clrMapOvr>
+    <a:masterClrMapping/>
+  </p:clrMapOvr>
+</p:sld>
+</file>
+
+<file path=ppt/slides/slide30.xml><?xml version="1.0" encoding="utf-8"?>
 <p:sld xmlns:a="http://schemas.openxmlformats.org/drawingml/2006/main" xmlns:r="http://schemas.openxmlformats.org/officeDocument/2006/relationships" xmlns:p="http://schemas.openxmlformats.org/presentationml/2006/main">
   <p:cSld>
     <p:spTree>
@@ -12337,6 +12737,331 @@
 </p:sld>
 </file>
 
+<file path=ppt/slides/slide31.xml><?xml version="1.0" encoding="utf-8"?>
+<p:sld xmlns:a="http://schemas.openxmlformats.org/drawingml/2006/main" xmlns:r="http://schemas.openxmlformats.org/officeDocument/2006/relationships" xmlns:p="http://schemas.openxmlformats.org/presentationml/2006/main">
+  <p:cSld>
+    <p:spTree>
+      <p:nvGrpSpPr>
+        <p:cNvPr id="1" name=""/>
+        <p:cNvGrpSpPr/>
+        <p:nvPr/>
+      </p:nvGrpSpPr>
+      <p:grpSpPr>
+        <a:xfrm>
+          <a:off x="0" y="0"/>
+          <a:ext cx="0" cy="0"/>
+          <a:chOff x="0" y="0"/>
+          <a:chExt cx="0" cy="0"/>
+        </a:xfrm>
+      </p:grpSpPr>
+      <p:sp>
+        <p:nvSpPr>
+          <p:cNvPr id="2" name="標題 1"/>
+          <p:cNvSpPr>
+            <a:spLocks noGrp="1"/>
+          </p:cNvSpPr>
+          <p:nvPr>
+            <p:ph type="title"/>
+          </p:nvPr>
+        </p:nvSpPr>
+        <p:spPr/>
+        <p:txBody>
+          <a:bodyPr/>
+          <a:lstStyle/>
+          <a:p>
+            <a:r>
+              <a:rPr lang="en-US" altLang="zh-TW" dirty="0"/>
+              <a:t>Assignment 1 – Taxi Calculator</a:t>
+            </a:r>
+            <a:endParaRPr lang="zh-TW" altLang="en-US" dirty="0"/>
+          </a:p>
+        </p:txBody>
+      </p:sp>
+      <p:sp>
+        <p:nvSpPr>
+          <p:cNvPr id="4" name="文字方塊 3">
+            <a:extLst>
+              <a:ext uri="{FF2B5EF4-FFF2-40B4-BE49-F238E27FC236}">
+                <a16:creationId xmlns:a16="http://schemas.microsoft.com/office/drawing/2014/main" id="{33A847BE-10B1-42EA-84C8-C544A4C339D9}"/>
+              </a:ext>
+            </a:extLst>
+          </p:cNvPr>
+          <p:cNvSpPr txBox="1"/>
+          <p:nvPr/>
+        </p:nvSpPr>
+        <p:spPr>
+          <a:xfrm>
+            <a:off x="914400" y="1417638"/>
+            <a:ext cx="7315200" cy="5078313"/>
+          </a:xfrm>
+          <a:prstGeom prst="rect">
+            <a:avLst/>
+          </a:prstGeom>
+          <a:noFill/>
+        </p:spPr>
+        <p:txBody>
+          <a:bodyPr wrap="square" rtlCol="0">
+            <a:spAutoFit/>
+          </a:bodyPr>
+          <a:lstStyle/>
+          <a:p>
+            <a:pPr marL="285750" indent="-285750">
+              <a:buFont typeface="Arial" panose="020B0604020202020204" pitchFamily="34" charset="0"/>
+              <a:buChar char="•"/>
+            </a:pPr>
+            <a:r>
+              <a:rPr lang="en-US" altLang="zh-TW" dirty="0"/>
+              <a:t>The recent rule – please refer to </a:t>
+            </a:r>
+            <a:r>
+              <a:rPr lang="en-US" altLang="zh-TW" dirty="0">
+                <a:hlinkClick r:id="rId2"/>
+              </a:rPr>
+              <a:t>here</a:t>
+            </a:r>
+            <a:r>
+              <a:rPr lang="en-US" altLang="zh-TW" dirty="0"/>
+              <a:t> – gov Transport Department</a:t>
+            </a:r>
+          </a:p>
+          <a:p>
+            <a:pPr marL="285750" indent="-285750">
+              <a:buFont typeface="Arial" panose="020B0604020202020204" pitchFamily="34" charset="0"/>
+              <a:buChar char="•"/>
+            </a:pPr>
+            <a:r>
+              <a:rPr lang="en-US" altLang="zh-TW" dirty="0"/>
+              <a:t>Splint 1: Construction a function: </a:t>
+            </a:r>
+            <a:r>
+              <a:rPr lang="en-US" altLang="zh-TW" dirty="0" err="1"/>
+              <a:t>TaxiFare</a:t>
+            </a:r>
+            <a:r>
+              <a:rPr lang="en-US" altLang="zh-TW" dirty="0"/>
+              <a:t> </a:t>
+            </a:r>
+          </a:p>
+          <a:p>
+            <a:pPr marL="742950" lvl="1" indent="-285750">
+              <a:buFont typeface="Arial" panose="020B0604020202020204" pitchFamily="34" charset="0"/>
+              <a:buChar char="•"/>
+            </a:pPr>
+            <a:r>
+              <a:rPr lang="en-US" altLang="zh-TW" dirty="0"/>
+              <a:t>Input parameter: the number of km</a:t>
+            </a:r>
+          </a:p>
+          <a:p>
+            <a:pPr marL="742950" lvl="1" indent="-285750">
+              <a:buFont typeface="Arial" panose="020B0604020202020204" pitchFamily="34" charset="0"/>
+              <a:buChar char="•"/>
+            </a:pPr>
+            <a:r>
+              <a:rPr lang="en-US" altLang="zh-TW" dirty="0"/>
+              <a:t>Return value: the price</a:t>
+            </a:r>
+          </a:p>
+          <a:p>
+            <a:pPr marL="742950" lvl="1" indent="-285750">
+              <a:buFont typeface="Arial" panose="020B0604020202020204" pitchFamily="34" charset="0"/>
+              <a:buChar char="•"/>
+            </a:pPr>
+            <a:r>
+              <a:rPr lang="en-US" altLang="zh-TW" dirty="0"/>
+              <a:t>Validation : from Shatin Station </a:t>
+            </a:r>
+            <a:r>
+              <a:rPr lang="en-US" altLang="zh-TW" dirty="0">
+                <a:sym typeface="Wingdings" panose="05000000000000000000" pitchFamily="2" charset="2"/>
+              </a:rPr>
+              <a:t> LSB, CUHK</a:t>
+            </a:r>
+            <a:r>
+              <a:rPr lang="en-US" altLang="zh-TW" dirty="0"/>
+              <a:t/>
+            </a:r>
+            <a:br>
+              <a:rPr lang="en-US" altLang="zh-TW" dirty="0"/>
+            </a:br>
+            <a:r>
+              <a:rPr lang="en-US" altLang="zh-TW" dirty="0"/>
+              <a:t>(UAT#1) </a:t>
+            </a:r>
+            <a:r>
+              <a:rPr lang="en-US" altLang="zh-TW" dirty="0" err="1"/>
+              <a:t>TaxiFare</a:t>
+            </a:r>
+            <a:r>
+              <a:rPr lang="en-US" altLang="zh-TW" dirty="0"/>
+              <a:t>(5.7) # Return value = 54.6</a:t>
+            </a:r>
+          </a:p>
+          <a:p>
+            <a:pPr marL="742950" lvl="1" indent="-285750">
+              <a:buFont typeface="Arial" panose="020B0604020202020204" pitchFamily="34" charset="0"/>
+              <a:buChar char="•"/>
+            </a:pPr>
+            <a:r>
+              <a:rPr lang="en-US" altLang="zh-TW" dirty="0"/>
+              <a:t>Use try-except block to protect this:</a:t>
+            </a:r>
+            <a:br>
+              <a:rPr lang="en-US" altLang="zh-TW" dirty="0"/>
+            </a:br>
+            <a:r>
+              <a:rPr lang="en-US" altLang="zh-TW" dirty="0"/>
+              <a:t>(UAT#2) </a:t>
+            </a:r>
+            <a:r>
+              <a:rPr lang="en-US" altLang="zh-TW" dirty="0" err="1"/>
+              <a:t>TaxiFare</a:t>
+            </a:r>
+            <a:r>
+              <a:rPr lang="en-US" altLang="zh-TW" dirty="0"/>
+              <a:t>(“Free”)</a:t>
+            </a:r>
+            <a:r>
+              <a:rPr lang="zh-TW" altLang="en-US" dirty="0"/>
+              <a:t> </a:t>
+            </a:r>
+            <a:r>
+              <a:rPr lang="en-US" altLang="zh-TW" dirty="0"/>
+              <a:t>/</a:t>
+            </a:r>
+            <a:r>
+              <a:rPr lang="zh-TW" altLang="en-US" dirty="0"/>
+              <a:t> </a:t>
+            </a:r>
+            <a:r>
+              <a:rPr lang="en-US" altLang="zh-TW" dirty="0" err="1"/>
+              <a:t>TaxiFare</a:t>
+            </a:r>
+            <a:r>
+              <a:rPr lang="en-US" altLang="zh-TW" dirty="0"/>
+              <a:t>(None)</a:t>
+            </a:r>
+            <a:br>
+              <a:rPr lang="en-US" altLang="zh-TW" dirty="0"/>
+            </a:br>
+            <a:r>
+              <a:rPr lang="en-US" altLang="zh-TW" dirty="0"/>
+              <a:t># print: “Something goes wrong !”</a:t>
+            </a:r>
+            <a:br>
+              <a:rPr lang="en-US" altLang="zh-TW" dirty="0"/>
+            </a:br>
+            <a:r>
+              <a:rPr lang="en-US" altLang="zh-TW" dirty="0"/>
+              <a:t># return (None)</a:t>
+            </a:r>
+          </a:p>
+          <a:p>
+            <a:pPr marL="285750" indent="-285750">
+              <a:buFont typeface="Arial" panose="020B0604020202020204" pitchFamily="34" charset="0"/>
+              <a:buChar char="•"/>
+            </a:pPr>
+            <a:r>
+              <a:rPr lang="en-US" altLang="zh-TW" dirty="0"/>
+              <a:t>Note:</a:t>
+            </a:r>
+          </a:p>
+          <a:p>
+            <a:pPr marL="742950" lvl="1" indent="-285750">
+              <a:buFont typeface="Arial" panose="020B0604020202020204" pitchFamily="34" charset="0"/>
+              <a:buChar char="•"/>
+            </a:pPr>
+            <a:r>
+              <a:rPr lang="zh-TW" altLang="en-US" dirty="0"/>
+              <a:t>起錶 </a:t>
+            </a:r>
+            <a:r>
+              <a:rPr lang="en-US" altLang="zh-TW" dirty="0"/>
+              <a:t>start meter:</a:t>
+            </a:r>
+            <a:r>
+              <a:rPr lang="zh-TW" altLang="en-US" dirty="0"/>
+              <a:t> </a:t>
+            </a:r>
+            <a:r>
+              <a:rPr lang="en-US" altLang="zh-TW" dirty="0"/>
+              <a:t>First 2 km, Fare = $24</a:t>
+            </a:r>
+          </a:p>
+          <a:p>
+            <a:pPr marL="742950" lvl="1" indent="-285750">
+              <a:buFont typeface="Arial" panose="020B0604020202020204" pitchFamily="34" charset="0"/>
+              <a:buChar char="•"/>
+            </a:pPr>
+            <a:r>
+              <a:rPr lang="zh-TW" altLang="en-US" dirty="0"/>
+              <a:t>跳錶 </a:t>
+            </a:r>
+            <a:r>
+              <a:rPr lang="en-US" altLang="zh-TW" dirty="0"/>
+              <a:t>tick meter:</a:t>
+            </a:r>
+            <a:r>
+              <a:rPr lang="zh-TW" altLang="en-US" dirty="0"/>
+              <a:t> </a:t>
+            </a:r>
+            <a:r>
+              <a:rPr lang="en-US" altLang="zh-TW" dirty="0"/>
+              <a:t>For each 200m afterwards, Fare = $1.7</a:t>
+            </a:r>
+            <a:br>
+              <a:rPr lang="en-US" altLang="zh-TW" dirty="0"/>
+            </a:br>
+            <a:r>
+              <a:rPr lang="en-US" altLang="zh-TW" dirty="0"/>
+              <a:t>(you should truncate into integer if the remainder is not enough 200m)</a:t>
+            </a:r>
+          </a:p>
+          <a:p>
+            <a:pPr marL="285750" indent="-285750">
+              <a:buFont typeface="Arial" panose="020B0604020202020204" pitchFamily="34" charset="0"/>
+              <a:buChar char="•"/>
+            </a:pPr>
+            <a:r>
+              <a:rPr lang="en-US" altLang="zh-TW" dirty="0"/>
+              <a:t>Assume:</a:t>
+            </a:r>
+          </a:p>
+          <a:p>
+            <a:pPr marL="742950" lvl="1" indent="-285750">
+              <a:buFont typeface="Arial" panose="020B0604020202020204" pitchFamily="34" charset="0"/>
+              <a:buChar char="•"/>
+            </a:pPr>
+            <a:r>
+              <a:rPr lang="en-US" altLang="zh-TW" dirty="0"/>
+              <a:t>Urban Taxi Only</a:t>
+            </a:r>
+          </a:p>
+          <a:p>
+            <a:pPr marL="742950" lvl="1" indent="-285750">
+              <a:buFont typeface="Arial" panose="020B0604020202020204" pitchFamily="34" charset="0"/>
+              <a:buChar char="•"/>
+            </a:pPr>
+            <a:r>
+              <a:rPr lang="en-US" altLang="zh-TW" dirty="0"/>
+              <a:t>No waiting time</a:t>
+            </a:r>
+          </a:p>
+        </p:txBody>
+      </p:sp>
+    </p:spTree>
+    <p:extLst>
+      <p:ext uri="{BB962C8B-B14F-4D97-AF65-F5344CB8AC3E}">
+        <p14:creationId xmlns:p14="http://schemas.microsoft.com/office/powerpoint/2010/main" val="2468835462"/>
+      </p:ext>
+    </p:extLst>
+  </p:cSld>
+  <p:clrMapOvr>
+    <a:masterClrMapping/>
+  </p:clrMapOvr>
+</p:sld>
+</file>
+
 <file path=ppt/slides/slide32.xml><?xml version="1.0" encoding="utf-8"?>
 <p:sld xmlns:a="http://schemas.openxmlformats.org/drawingml/2006/main" xmlns:r="http://schemas.openxmlformats.org/officeDocument/2006/relationships" xmlns:p="http://schemas.openxmlformats.org/presentationml/2006/main">
   <p:cSld>
@@ -12392,7 +13117,7 @@
         <p:spPr>
           <a:xfrm>
             <a:off x="914400" y="1417638"/>
-            <a:ext cx="7315200" cy="5078313"/>
+            <a:ext cx="7315200" cy="4770537"/>
           </a:xfrm>
           <a:prstGeom prst="rect">
             <a:avLst/>
@@ -12410,18 +13135,83 @@
               <a:buChar char="•"/>
             </a:pPr>
             <a:r>
-              <a:rPr lang="en-US" altLang="zh-TW" dirty="0"/>
-              <a:t>The recent rule – please refer to </a:t>
-            </a:r>
-            <a:r>
-              <a:rPr lang="en-US" altLang="zh-TW" dirty="0">
-                <a:hlinkClick r:id="rId2"/>
+              <a:rPr lang="en-US" altLang="zh-TW" sz="1600" dirty="0"/>
+              <a:t>Splint 2: Modify the function: </a:t>
+            </a:r>
+            <a:r>
+              <a:rPr lang="en-US" altLang="zh-TW" sz="1600" dirty="0" err="1"/>
+              <a:t>TaxiFare</a:t>
+            </a:r>
+            <a:r>
+              <a:rPr lang="en-US" altLang="zh-TW" sz="1600" dirty="0"/>
+              <a:t> </a:t>
+            </a:r>
+          </a:p>
+          <a:p>
+            <a:pPr marL="742950" lvl="1" indent="-285750">
+              <a:buFont typeface="Arial" panose="020B0604020202020204" pitchFamily="34" charset="0"/>
+              <a:buChar char="•"/>
+            </a:pPr>
+            <a:r>
+              <a:rPr lang="zh-TW" altLang="en-US" sz="1600" dirty="0"/>
+              <a:t>短加長減 </a:t>
+            </a:r>
+            <a:r>
+              <a:rPr lang="en-US" altLang="zh-TW" sz="1600" dirty="0"/>
+              <a:t>–</a:t>
+            </a:r>
+            <a:r>
+              <a:rPr lang="zh-TW" altLang="en-US" sz="1600" dirty="0"/>
+              <a:t> </a:t>
+            </a:r>
+            <a:r>
+              <a:rPr lang="en-US" altLang="zh-TW" sz="1600" dirty="0"/>
+              <a:t>if the fare exceeds $83.5, Fare for each 200m = $1.2</a:t>
+            </a:r>
+          </a:p>
+          <a:p>
+            <a:pPr marL="742950" lvl="1" indent="-285750">
+              <a:buFont typeface="Arial" panose="020B0604020202020204" pitchFamily="34" charset="0"/>
+              <a:buChar char="•"/>
+            </a:pPr>
+            <a:r>
+              <a:rPr lang="en-US" altLang="zh-TW" sz="1600" dirty="0"/>
+              <a:t>Or use the logic: if distance &gt; 9 km, Fare for each 200m = $1.2</a:t>
+            </a:r>
+          </a:p>
+          <a:p>
+            <a:pPr marL="742950" lvl="1" indent="-285750">
+              <a:buFont typeface="Arial" panose="020B0604020202020204" pitchFamily="34" charset="0"/>
+              <a:buChar char="•"/>
+            </a:pPr>
+            <a:r>
+              <a:rPr lang="en-US" altLang="zh-TW" sz="1600" dirty="0"/>
+              <a:t>Validation: from Sheung Shui Station </a:t>
+            </a:r>
+            <a:r>
+              <a:rPr lang="en-US" altLang="zh-TW" sz="1600" dirty="0">
+                <a:sym typeface="Wingdings" panose="05000000000000000000" pitchFamily="2" charset="2"/>
               </a:rPr>
-              <a:t>here</a:t>
-            </a:r>
-            <a:r>
-              <a:rPr lang="en-US" altLang="zh-TW" dirty="0"/>
-              <a:t> – gov Transport Department</a:t>
+              <a:t> LSB, CUHK</a:t>
+            </a:r>
+            <a:r>
+              <a:rPr lang="en-US" altLang="zh-TW" sz="1600" dirty="0"/>
+              <a:t/>
+            </a:r>
+            <a:br>
+              <a:rPr lang="en-US" altLang="zh-TW" sz="1600" dirty="0"/>
+            </a:br>
+            <a:r>
+              <a:rPr lang="en-US" altLang="zh-TW" sz="1600" dirty="0"/>
+              <a:t>(UAT#3) </a:t>
+            </a:r>
+            <a:r>
+              <a:rPr lang="en-US" altLang="zh-TW" sz="1600" dirty="0" err="1"/>
+              <a:t>TaxiFare</a:t>
+            </a:r>
+            <a:r>
+              <a:rPr lang="en-US" altLang="zh-TW" sz="1600" dirty="0"/>
+              <a:t>(17.6) # Return value = 135.1</a:t>
             </a:r>
           </a:p>
           <a:p>
@@ -12430,17 +13220,14 @@
               <a:buChar char="•"/>
             </a:pPr>
             <a:r>
-              <a:rPr lang="en-US" altLang="zh-TW" dirty="0"/>
-              <a:t>Splint 1: Construction a function: </a:t>
-            </a:r>
-            <a:r>
-              <a:rPr lang="en-US" altLang="zh-TW" dirty="0" err="1"/>
-              <a:t>TaxiFare</a:t>
-            </a:r>
-            <a:r>
-              <a:rPr lang="en-US" altLang="zh-TW" dirty="0"/>
-              <a:t> </a:t>
-            </a:r>
+              <a:rPr lang="en-US" altLang="zh-TW" sz="1600" dirty="0"/>
+              <a:t>Splint 3: Add the parameter into function: </a:t>
+            </a:r>
+            <a:r>
+              <a:rPr lang="en-US" altLang="zh-TW" sz="1600" dirty="0" err="1"/>
+              <a:t>TaxiType</a:t>
+            </a:r>
+            <a:endParaRPr lang="en-US" altLang="zh-TW" sz="1600" dirty="0"/>
           </a:p>
           <a:p>
             <a:pPr marL="742950" lvl="1" indent="-285750">
@@ -12448,8 +13235,84 @@
               <a:buChar char="•"/>
             </a:pPr>
             <a:r>
-              <a:rPr lang="en-US" altLang="zh-TW" dirty="0"/>
-              <a:t>Input parameter: the number of km</a:t>
+              <a:rPr lang="en-US" altLang="zh-TW" sz="1600" dirty="0"/>
+              <a:t>Taxi Type: “urban”, “NT”, “</a:t>
+            </a:r>
+            <a:r>
+              <a:rPr lang="en-US" altLang="zh-TW" sz="1600" dirty="0" err="1"/>
+              <a:t>lantau</a:t>
+            </a:r>
+            <a:r>
+              <a:rPr lang="en-US" altLang="zh-TW" sz="1600" dirty="0"/>
+              <a:t>”</a:t>
+            </a:r>
+          </a:p>
+          <a:p>
+            <a:pPr marL="1200150" lvl="2" indent="-285750">
+              <a:buFont typeface="Arial" panose="020B0604020202020204" pitchFamily="34" charset="0"/>
+              <a:buChar char="•"/>
+            </a:pPr>
+            <a:r>
+              <a:rPr lang="en-US" altLang="zh-TW" sz="1600" dirty="0"/>
+              <a:t>You need to copy and rewrite with different values for each taxi type. Please refer to the </a:t>
+            </a:r>
+            <a:r>
+              <a:rPr lang="en-US" altLang="zh-TW" sz="1600" dirty="0">
+                <a:hlinkClick r:id="rId2"/>
+              </a:rPr>
+              <a:t>here</a:t>
+            </a:r>
+            <a:r>
+              <a:rPr lang="en-US" altLang="zh-TW" sz="1600" dirty="0"/>
+              <a:t> – gov Transport Department</a:t>
+            </a:r>
+          </a:p>
+          <a:p>
+            <a:pPr marL="1200150" lvl="2" indent="-285750">
+              <a:buFont typeface="Arial" panose="020B0604020202020204" pitchFamily="34" charset="0"/>
+              <a:buChar char="•"/>
+            </a:pPr>
+            <a:r>
+              <a:rPr lang="en-US" altLang="zh-TW" sz="1600" dirty="0"/>
+              <a:t>Taxi Type can be lower / upper case</a:t>
+            </a:r>
+          </a:p>
+          <a:p>
+            <a:pPr marL="1200150" lvl="2" indent="-285750">
+              <a:buFont typeface="Arial" panose="020B0604020202020204" pitchFamily="34" charset="0"/>
+              <a:buChar char="•"/>
+            </a:pPr>
+            <a:r>
+              <a:rPr lang="en-US" altLang="zh-TW" sz="1600" dirty="0"/>
+              <a:t>NT taxi threshold : 8km / $65.5</a:t>
+            </a:r>
+          </a:p>
+          <a:p>
+            <a:pPr marL="1200150" lvl="2" indent="-285750">
+              <a:buFont typeface="Arial" panose="020B0604020202020204" pitchFamily="34" charset="0"/>
+              <a:buChar char="•"/>
+            </a:pPr>
+            <a:r>
+              <a:rPr lang="en-US" altLang="zh-TW" sz="1600" dirty="0"/>
+              <a:t>Lantau taxi threshold:</a:t>
+            </a:r>
+            <a:r>
+              <a:rPr lang="zh-TW" altLang="en-US" sz="1600" dirty="0"/>
+              <a:t> </a:t>
+            </a:r>
+            <a:r>
+              <a:rPr lang="en-US" altLang="zh-TW" sz="1600" dirty="0"/>
+              <a:t>20km / $154</a:t>
+            </a:r>
+          </a:p>
+          <a:p>
+            <a:pPr marL="1200150" lvl="2" indent="-285750">
+              <a:buFont typeface="Arial" panose="020B0604020202020204" pitchFamily="34" charset="0"/>
+              <a:buChar char="•"/>
+            </a:pPr>
+            <a:r>
+              <a:rPr lang="en-US" altLang="zh-TW" sz="1600" dirty="0"/>
+              <a:t>Set default parameter = “urban”</a:t>
             </a:r>
           </a:p>
           <a:p>
@@ -12458,197 +13321,147 @@
               <a:buChar char="•"/>
             </a:pPr>
             <a:r>
-              <a:rPr lang="en-US" altLang="zh-TW" dirty="0"/>
-              <a:t>Return value: the price</a:t>
-            </a:r>
-          </a:p>
-          <a:p>
-            <a:pPr marL="742950" lvl="1" indent="-285750">
-              <a:buFont typeface="Arial" panose="020B0604020202020204" pitchFamily="34" charset="0"/>
-              <a:buChar char="•"/>
-            </a:pPr>
-            <a:r>
-              <a:rPr lang="en-US" altLang="zh-TW" dirty="0"/>
-              <a:t>Validation : from Shatin Station </a:t>
-            </a:r>
-            <a:r>
-              <a:rPr lang="en-US" altLang="zh-TW" dirty="0">
+              <a:rPr lang="en-US" altLang="zh-TW" sz="1600" dirty="0"/>
+              <a:t>Validation: </a:t>
+            </a:r>
+            <a:br>
+              <a:rPr lang="en-US" altLang="zh-TW" sz="1600" dirty="0"/>
+            </a:br>
+            <a:r>
+              <a:rPr lang="en-US" altLang="zh-TW" sz="1600" dirty="0"/>
+              <a:t>(UAT#4) </a:t>
+            </a:r>
+            <a:r>
+              <a:rPr lang="en-US" altLang="zh-TW" sz="1600" dirty="0" err="1"/>
+              <a:t>TaxiFare</a:t>
+            </a:r>
+            <a:r>
+              <a:rPr lang="en-US" altLang="zh-TW" sz="1600" dirty="0"/>
+              <a:t>(5.7, </a:t>
+            </a:r>
+            <a:r>
+              <a:rPr lang="en-US" altLang="zh-TW" sz="1600" dirty="0" err="1"/>
+              <a:t>TaxiType</a:t>
+            </a:r>
+            <a:r>
+              <a:rPr lang="en-US" altLang="zh-TW" sz="1600" dirty="0"/>
+              <a:t>=“</a:t>
+            </a:r>
+            <a:r>
+              <a:rPr lang="en-US" altLang="zh-TW" sz="1600" dirty="0" err="1"/>
+              <a:t>nT</a:t>
+            </a:r>
+            <a:r>
+              <a:rPr lang="en-US" altLang="zh-TW" sz="1600" dirty="0"/>
+              <a:t>”) # Return value 47.5</a:t>
+            </a:r>
+            <a:br>
+              <a:rPr lang="en-US" altLang="zh-TW" sz="1600" dirty="0"/>
+            </a:br>
+            <a:r>
+              <a:rPr lang="en-US" altLang="zh-TW" sz="1600" dirty="0"/>
+              <a:t>(UAT#5) </a:t>
+            </a:r>
+            <a:r>
+              <a:rPr lang="en-US" altLang="zh-TW" sz="1600" dirty="0" err="1"/>
+              <a:t>TaxiFare</a:t>
+            </a:r>
+            <a:r>
+              <a:rPr lang="en-US" altLang="zh-TW" sz="1600" dirty="0"/>
+              <a:t>(17.6, </a:t>
+            </a:r>
+            <a:r>
+              <a:rPr lang="en-US" altLang="zh-TW" sz="1600" dirty="0" err="1"/>
+              <a:t>TaxiType</a:t>
+            </a:r>
+            <a:r>
+              <a:rPr lang="en-US" altLang="zh-TW" sz="1600" dirty="0"/>
+              <a:t>=“</a:t>
+            </a:r>
+            <a:r>
+              <a:rPr lang="en-US" altLang="zh-TW" sz="1600" dirty="0" err="1"/>
+              <a:t>nT</a:t>
+            </a:r>
+            <a:r>
+              <a:rPr lang="en-US" altLang="zh-TW" sz="1600" dirty="0"/>
+              <a:t>”) # Return value 123.1</a:t>
+            </a:r>
+            <a:br>
+              <a:rPr lang="en-US" altLang="zh-TW" sz="1600" dirty="0"/>
+            </a:br>
+            <a:r>
+              <a:rPr lang="en-US" altLang="zh-TW" sz="1600" dirty="0"/>
+              <a:t>(UAT#6) </a:t>
+            </a:r>
+            <a:r>
+              <a:rPr lang="en-US" altLang="zh-TW" sz="1600" dirty="0" err="1"/>
+              <a:t>TaxiFare</a:t>
+            </a:r>
+            <a:r>
+              <a:rPr lang="en-US" altLang="zh-TW" sz="1600" dirty="0"/>
+              <a:t>(17.6, </a:t>
+            </a:r>
+            <a:r>
+              <a:rPr lang="en-US" altLang="zh-TW" sz="1600" dirty="0" err="1"/>
+              <a:t>TaxiType</a:t>
+            </a:r>
+            <a:r>
+              <a:rPr lang="en-US" altLang="zh-TW" sz="1600" dirty="0"/>
+              <a:t>=“</a:t>
+            </a:r>
+            <a:r>
+              <a:rPr lang="en-US" altLang="zh-TW" sz="1600" dirty="0" err="1"/>
+              <a:t>laNtAu</a:t>
+            </a:r>
+            <a:r>
+              <a:rPr lang="en-US" altLang="zh-TW" sz="1600" dirty="0"/>
+              <a:t>”) # Return value 136.0</a:t>
+            </a:r>
+            <a:br>
+              <a:rPr lang="en-US" altLang="zh-TW" sz="1600" dirty="0"/>
+            </a:br>
+            <a:r>
+              <a:rPr lang="en-US" altLang="zh-TW" sz="1600" dirty="0"/>
+              <a:t>(UAT#7) </a:t>
+            </a:r>
+            <a:r>
+              <a:rPr lang="en-US" altLang="zh-TW" sz="1600" dirty="0" err="1"/>
+              <a:t>TaxiFare</a:t>
+            </a:r>
+            <a:r>
+              <a:rPr lang="en-US" altLang="zh-TW" sz="1600" dirty="0"/>
+              <a:t>(36.4, </a:t>
+            </a:r>
+            <a:r>
+              <a:rPr lang="en-US" altLang="zh-TW" sz="1600" dirty="0" err="1"/>
+              <a:t>TaxiType</a:t>
+            </a:r>
+            <a:r>
+              <a:rPr lang="en-US" altLang="zh-TW" sz="1600" dirty="0"/>
+              <a:t>=“</a:t>
+            </a:r>
+            <a:r>
+              <a:rPr lang="en-US" altLang="zh-TW" sz="1600" dirty="0" err="1"/>
+              <a:t>laNtAu</a:t>
+            </a:r>
+            <a:r>
+              <a:rPr lang="en-US" altLang="zh-TW" sz="1600" dirty="0"/>
+              <a:t>”) # Return value 268.8 (Disneyland </a:t>
+            </a:r>
+            <a:r>
+              <a:rPr lang="en-US" altLang="zh-TW" sz="1600" dirty="0">
                 <a:sym typeface="Wingdings" panose="05000000000000000000" pitchFamily="2" charset="2"/>
               </a:rPr>
-              <a:t> LSB, CUHK</a:t>
-            </a:r>
-            <a:br>
-              <a:rPr lang="en-US" altLang="zh-TW" dirty="0"/>
-            </a:br>
-            <a:r>
-              <a:rPr lang="en-US" altLang="zh-TW" dirty="0"/>
-              <a:t>(UAT#1) </a:t>
-            </a:r>
-            <a:r>
-              <a:rPr lang="en-US" altLang="zh-TW" dirty="0" err="1"/>
-              <a:t>TaxiFare</a:t>
-            </a:r>
-            <a:r>
-              <a:rPr lang="en-US" altLang="zh-TW" dirty="0"/>
-              <a:t>(5.7) # Return value = 54.6</a:t>
-            </a:r>
-          </a:p>
-          <a:p>
-            <a:pPr marL="742950" lvl="1" indent="-285750">
-              <a:buFont typeface="Arial" panose="020B0604020202020204" pitchFamily="34" charset="0"/>
-              <a:buChar char="•"/>
-            </a:pPr>
-            <a:r>
-              <a:rPr lang="en-US" altLang="zh-TW" dirty="0"/>
-              <a:t>Use try-except block to protect this:</a:t>
-            </a:r>
-            <a:br>
-              <a:rPr lang="en-US" altLang="zh-TW" dirty="0"/>
-            </a:br>
-            <a:r>
-              <a:rPr lang="en-US" altLang="zh-TW" dirty="0"/>
-              <a:t>(UAT#2) </a:t>
-            </a:r>
-            <a:r>
-              <a:rPr lang="en-US" altLang="zh-TW" dirty="0" err="1"/>
-              <a:t>TaxiFare</a:t>
-            </a:r>
-            <a:r>
-              <a:rPr lang="en-US" altLang="zh-TW" dirty="0"/>
-              <a:t>(“Free”)</a:t>
-            </a:r>
-            <a:r>
-              <a:rPr lang="zh-TW" altLang="en-US" dirty="0"/>
-              <a:t> </a:t>
-            </a:r>
-            <a:r>
-              <a:rPr lang="en-US" altLang="zh-TW" dirty="0"/>
-              <a:t>/</a:t>
-            </a:r>
-            <a:r>
-              <a:rPr lang="zh-TW" altLang="en-US" dirty="0"/>
-              <a:t> </a:t>
-            </a:r>
-            <a:r>
-              <a:rPr lang="en-US" altLang="zh-TW" dirty="0" err="1"/>
-              <a:t>TaxiFare</a:t>
-            </a:r>
-            <a:r>
-              <a:rPr lang="en-US" altLang="zh-TW" dirty="0"/>
-              <a:t>(None)</a:t>
-            </a:r>
-            <a:br>
-              <a:rPr lang="en-US" altLang="zh-TW" dirty="0"/>
-            </a:br>
-            <a:r>
-              <a:rPr lang="en-US" altLang="zh-TW" dirty="0"/>
-              <a:t># print: “Something goes wrong !”</a:t>
-            </a:r>
-            <a:br>
-              <a:rPr lang="en-US" altLang="zh-TW" dirty="0"/>
-            </a:br>
-            <a:r>
-              <a:rPr lang="en-US" altLang="zh-TW" dirty="0"/>
-              <a:t># return (None)</a:t>
-            </a:r>
-          </a:p>
-          <a:p>
-            <a:pPr marL="285750" indent="-285750">
-              <a:buFont typeface="Arial" panose="020B0604020202020204" pitchFamily="34" charset="0"/>
-              <a:buChar char="•"/>
-            </a:pPr>
-            <a:r>
-              <a:rPr lang="en-US" altLang="zh-TW" dirty="0"/>
-              <a:t>Note:</a:t>
-            </a:r>
-          </a:p>
-          <a:p>
-            <a:pPr marL="742950" lvl="1" indent="-285750">
-              <a:buFont typeface="Arial" panose="020B0604020202020204" pitchFamily="34" charset="0"/>
-              <a:buChar char="•"/>
-            </a:pPr>
-            <a:r>
-              <a:rPr lang="zh-TW" altLang="en-US" dirty="0"/>
-              <a:t>起錶 </a:t>
-            </a:r>
-            <a:r>
-              <a:rPr lang="en-US" altLang="zh-TW" dirty="0"/>
-              <a:t>start meter:</a:t>
-            </a:r>
-            <a:r>
-              <a:rPr lang="zh-TW" altLang="en-US" dirty="0"/>
-              <a:t> </a:t>
-            </a:r>
-            <a:r>
-              <a:rPr lang="en-US" altLang="zh-TW" dirty="0"/>
-              <a:t>First 2 km, Fare = $24</a:t>
-            </a:r>
-          </a:p>
-          <a:p>
-            <a:pPr marL="742950" lvl="1" indent="-285750">
-              <a:buFont typeface="Arial" panose="020B0604020202020204" pitchFamily="34" charset="0"/>
-              <a:buChar char="•"/>
-            </a:pPr>
-            <a:r>
-              <a:rPr lang="zh-TW" altLang="en-US" dirty="0"/>
-              <a:t>跳錶 </a:t>
-            </a:r>
-            <a:r>
-              <a:rPr lang="en-US" altLang="zh-TW" dirty="0"/>
-              <a:t>tick meter:</a:t>
-            </a:r>
-            <a:r>
-              <a:rPr lang="zh-TW" altLang="en-US" dirty="0"/>
-              <a:t> </a:t>
-            </a:r>
-            <a:r>
-              <a:rPr lang="en-US" altLang="zh-TW" dirty="0"/>
-              <a:t>For each 200m afterwards, Fare = $1.7</a:t>
-            </a:r>
-            <a:br>
-              <a:rPr lang="en-US" altLang="zh-TW" dirty="0"/>
-            </a:br>
-            <a:r>
-              <a:rPr lang="en-US" altLang="zh-TW" dirty="0"/>
-              <a:t>(you should truncate into integer if the remainder is not enough 200m)</a:t>
-            </a:r>
-          </a:p>
-          <a:p>
-            <a:pPr marL="285750" indent="-285750">
-              <a:buFont typeface="Arial" panose="020B0604020202020204" pitchFamily="34" charset="0"/>
-              <a:buChar char="•"/>
-            </a:pPr>
-            <a:r>
-              <a:rPr lang="en-US" altLang="zh-TW" dirty="0"/>
-              <a:t>Assume:</a:t>
-            </a:r>
-          </a:p>
-          <a:p>
-            <a:pPr marL="742950" lvl="1" indent="-285750">
-              <a:buFont typeface="Arial" panose="020B0604020202020204" pitchFamily="34" charset="0"/>
-              <a:buChar char="•"/>
-            </a:pPr>
-            <a:r>
-              <a:rPr lang="en-US" altLang="zh-TW" dirty="0"/>
-              <a:t>Urban Taxi Only</a:t>
-            </a:r>
-          </a:p>
-          <a:p>
-            <a:pPr marL="742950" lvl="1" indent="-285750">
-              <a:buFont typeface="Arial" panose="020B0604020202020204" pitchFamily="34" charset="0"/>
-              <a:buChar char="•"/>
-            </a:pPr>
-            <a:r>
-              <a:rPr lang="en-US" altLang="zh-TW" dirty="0"/>
-              <a:t>No waiting time</a:t>
-            </a:r>
+              <a:t> Tai O)</a:t>
+            </a:r>
+            <a:endParaRPr lang="en-US" altLang="zh-TW" sz="1600" dirty="0"/>
           </a:p>
         </p:txBody>
       </p:sp>
     </p:spTree>
     <p:extLst>
       <p:ext uri="{BB962C8B-B14F-4D97-AF65-F5344CB8AC3E}">
-        <p14:creationId xmlns:p14="http://schemas.microsoft.com/office/powerpoint/2010/main" val="2468835462"/>
+        <p14:creationId xmlns:p14="http://schemas.microsoft.com/office/powerpoint/2010/main" val="1169115053"/>
       </p:ext>
     </p:extLst>
   </p:cSld>
@@ -12713,7 +13526,7 @@
         <p:spPr>
           <a:xfrm>
             <a:off x="914400" y="1417638"/>
-            <a:ext cx="7315200" cy="4770537"/>
+            <a:ext cx="7315200" cy="2677656"/>
           </a:xfrm>
           <a:prstGeom prst="rect">
             <a:avLst/>
@@ -12726,84 +13539,19 @@
           </a:bodyPr>
           <a:lstStyle/>
           <a:p>
+            <a:r>
+              <a:rPr lang="en-US" altLang="zh-TW" sz="2400" dirty="0"/>
+              <a:t>Marking Scheme</a:t>
+            </a:r>
+          </a:p>
+          <a:p>
             <a:pPr marL="285750" indent="-285750">
               <a:buFont typeface="Arial" panose="020B0604020202020204" pitchFamily="34" charset="0"/>
               <a:buChar char="•"/>
             </a:pPr>
             <a:r>
-              <a:rPr lang="en-US" altLang="zh-TW" sz="1600" dirty="0"/>
-              <a:t>Splint 2: Modify the function: </a:t>
-            </a:r>
-            <a:r>
-              <a:rPr lang="en-US" altLang="zh-TW" sz="1600" dirty="0" err="1"/>
-              <a:t>TaxiFare</a:t>
-            </a:r>
-            <a:r>
-              <a:rPr lang="en-US" altLang="zh-TW" sz="1600" dirty="0"/>
-              <a:t> </a:t>
-            </a:r>
-          </a:p>
-          <a:p>
-            <a:pPr marL="742950" lvl="1" indent="-285750">
-              <a:buFont typeface="Arial" panose="020B0604020202020204" pitchFamily="34" charset="0"/>
-              <a:buChar char="•"/>
-            </a:pPr>
-            <a:r>
-              <a:rPr lang="zh-TW" altLang="en-US" sz="1600" dirty="0"/>
-              <a:t>短加長減 </a:t>
-            </a:r>
-            <a:r>
-              <a:rPr lang="en-US" altLang="zh-TW" sz="1600" dirty="0"/>
-              <a:t>–</a:t>
-            </a:r>
-            <a:r>
-              <a:rPr lang="zh-TW" altLang="en-US" sz="1600" dirty="0"/>
-              <a:t> </a:t>
-            </a:r>
-            <a:r>
-              <a:rPr lang="en-US" altLang="zh-TW" sz="1600" dirty="0"/>
-              <a:t>if the fare exceeds $83.5, Fare for each 200m = $1.2</a:t>
-            </a:r>
-          </a:p>
-          <a:p>
-            <a:pPr marL="742950" lvl="1" indent="-285750">
-              <a:buFont typeface="Arial" panose="020B0604020202020204" pitchFamily="34" charset="0"/>
-              <a:buChar char="•"/>
-            </a:pPr>
-            <a:r>
-              <a:rPr lang="en-US" altLang="zh-TW" sz="1600" dirty="0"/>
-              <a:t>Or use the logic: if distance &gt; 9 km, Fare for each 200m = $1.2</a:t>
-            </a:r>
-          </a:p>
-          <a:p>
-            <a:pPr marL="742950" lvl="1" indent="-285750">
-              <a:buFont typeface="Arial" panose="020B0604020202020204" pitchFamily="34" charset="0"/>
-              <a:buChar char="•"/>
-            </a:pPr>
-            <a:r>
-              <a:rPr lang="en-US" altLang="zh-TW" sz="1600" dirty="0"/>
-              <a:t>Validation: from Sheung Shui Station </a:t>
-            </a:r>
-            <a:r>
-              <a:rPr lang="en-US" altLang="zh-TW" sz="1600" dirty="0">
-                <a:sym typeface="Wingdings" panose="05000000000000000000" pitchFamily="2" charset="2"/>
-              </a:rPr>
-              <a:t> LSB, CUHK</a:t>
-            </a:r>
-            <a:br>
-              <a:rPr lang="en-US" altLang="zh-TW" sz="1600" dirty="0"/>
-            </a:br>
-            <a:r>
-              <a:rPr lang="en-US" altLang="zh-TW" sz="1600" dirty="0"/>
-              <a:t>(UAT#3) </a:t>
-            </a:r>
-            <a:r>
-              <a:rPr lang="en-US" altLang="zh-TW" sz="1600" dirty="0" err="1"/>
-              <a:t>TaxiFare</a:t>
-            </a:r>
-            <a:r>
-              <a:rPr lang="en-US" altLang="zh-TW" sz="1600" dirty="0"/>
-              <a:t>(17.6) # Return value = 135.1</a:t>
+              <a:rPr lang="en-US" altLang="zh-TW" sz="2400" dirty="0"/>
+              <a:t>The program should be RUN-able – 50%</a:t>
             </a:r>
           </a:p>
           <a:p>
@@ -12812,248 +13560,51 @@
               <a:buChar char="•"/>
             </a:pPr>
             <a:r>
-              <a:rPr lang="en-US" altLang="zh-TW" sz="1600" dirty="0"/>
-              <a:t>Splint 3: Add the parameter into function: </a:t>
-            </a:r>
-            <a:r>
-              <a:rPr lang="en-US" altLang="zh-TW" sz="1600" dirty="0" err="1"/>
-              <a:t>TaxiType</a:t>
-            </a:r>
-            <a:endParaRPr lang="en-US" altLang="zh-TW" sz="1600" dirty="0"/>
-          </a:p>
-          <a:p>
-            <a:pPr marL="742950" lvl="1" indent="-285750">
+              <a:rPr lang="en-US" altLang="zh-TW" sz="2400" dirty="0"/>
+              <a:t>The program should be </a:t>
+            </a:r>
+            <a:r>
+              <a:rPr lang="en-US" altLang="zh-TW" sz="2400" dirty="0" err="1"/>
+              <a:t>PASSed</a:t>
+            </a:r>
+            <a:r>
+              <a:rPr lang="en-US" altLang="zh-TW" sz="2400" dirty="0"/>
+              <a:t> all UAT case – 7*5% = 35%</a:t>
+            </a:r>
+            <a:br>
+              <a:rPr lang="en-US" altLang="zh-TW" sz="2400" dirty="0"/>
+            </a:br>
+            <a:r>
+              <a:rPr lang="en-US" altLang="zh-TW" sz="2400" dirty="0"/>
+              <a:t>(UAT = user acceptance test)</a:t>
+            </a:r>
+          </a:p>
+          <a:p>
+            <a:pPr marL="285750" indent="-285750">
               <a:buFont typeface="Arial" panose="020B0604020202020204" pitchFamily="34" charset="0"/>
               <a:buChar char="•"/>
             </a:pPr>
             <a:r>
-              <a:rPr lang="en-US" altLang="zh-TW" sz="1600" dirty="0"/>
-              <a:t>Taxi Type: “urban”, “NT”, “</a:t>
-            </a:r>
-            <a:r>
-              <a:rPr lang="en-US" altLang="zh-TW" sz="1600" dirty="0" err="1"/>
-              <a:t>lantau</a:t>
-            </a:r>
-            <a:r>
-              <a:rPr lang="en-US" altLang="zh-TW" sz="1600" dirty="0"/>
-              <a:t>”</a:t>
-            </a:r>
-          </a:p>
-          <a:p>
-            <a:pPr marL="1200150" lvl="2" indent="-285750">
+              <a:rPr lang="en-US" altLang="zh-TW" sz="2400" dirty="0"/>
+              <a:t>The program should be READ-able – 10%</a:t>
+            </a:r>
+          </a:p>
+          <a:p>
+            <a:pPr marL="285750" indent="-285750">
               <a:buFont typeface="Arial" panose="020B0604020202020204" pitchFamily="34" charset="0"/>
               <a:buChar char="•"/>
             </a:pPr>
             <a:r>
-              <a:rPr lang="en-US" altLang="zh-TW" sz="1600" dirty="0"/>
-              <a:t>You need to copy and rewrite with different values for each taxi type. Please refer to the </a:t>
-            </a:r>
-            <a:r>
-              <a:rPr lang="en-US" altLang="zh-TW" sz="1600" dirty="0">
-                <a:hlinkClick r:id="rId2"/>
-              </a:rPr>
-              <a:t>here</a:t>
-            </a:r>
-            <a:r>
-              <a:rPr lang="en-US" altLang="zh-TW" sz="1600" dirty="0"/>
-              <a:t> – gov Transport Department</a:t>
-            </a:r>
-          </a:p>
-          <a:p>
-            <a:pPr marL="1200150" lvl="2" indent="-285750">
-              <a:buFont typeface="Arial" panose="020B0604020202020204" pitchFamily="34" charset="0"/>
-              <a:buChar char="•"/>
-            </a:pPr>
-            <a:r>
-              <a:rPr lang="en-US" altLang="zh-TW" sz="1600" dirty="0"/>
-              <a:t>Taxi Type can be lower / upper case</a:t>
-            </a:r>
-          </a:p>
-          <a:p>
-            <a:pPr marL="1200150" lvl="2" indent="-285750">
-              <a:buFont typeface="Arial" panose="020B0604020202020204" pitchFamily="34" charset="0"/>
-              <a:buChar char="•"/>
-            </a:pPr>
-            <a:r>
-              <a:rPr lang="en-US" altLang="zh-TW" sz="1600" dirty="0"/>
-              <a:t>NT taxi threshold : 8km / $65.5</a:t>
-            </a:r>
-          </a:p>
-          <a:p>
-            <a:pPr marL="1200150" lvl="2" indent="-285750">
-              <a:buFont typeface="Arial" panose="020B0604020202020204" pitchFamily="34" charset="0"/>
-              <a:buChar char="•"/>
-            </a:pPr>
-            <a:r>
-              <a:rPr lang="en-US" altLang="zh-TW" sz="1600" dirty="0"/>
-              <a:t>Lantau taxi threshold:</a:t>
-            </a:r>
-            <a:r>
-              <a:rPr lang="zh-TW" altLang="en-US" sz="1600" dirty="0"/>
-              <a:t> </a:t>
-            </a:r>
-            <a:r>
-              <a:rPr lang="en-US" altLang="zh-TW" sz="1600" dirty="0"/>
-              <a:t>20km / $154</a:t>
-            </a:r>
-          </a:p>
-          <a:p>
-            <a:pPr marL="1200150" lvl="2" indent="-285750">
-              <a:buFont typeface="Arial" panose="020B0604020202020204" pitchFamily="34" charset="0"/>
-              <a:buChar char="•"/>
-            </a:pPr>
-            <a:r>
-              <a:rPr lang="en-US" altLang="zh-TW" sz="1600" dirty="0"/>
-              <a:t>Set default parameter = “urban”</a:t>
-            </a:r>
-          </a:p>
-          <a:p>
-            <a:pPr marL="742950" lvl="1" indent="-285750">
-              <a:buFont typeface="Arial" panose="020B0604020202020204" pitchFamily="34" charset="0"/>
-              <a:buChar char="•"/>
-            </a:pPr>
-            <a:r>
-              <a:rPr lang="en-US" altLang="zh-TW" sz="1600" dirty="0"/>
-              <a:t>Validation: </a:t>
-            </a:r>
-            <a:br>
-              <a:rPr lang="en-US" altLang="zh-TW" sz="1600" dirty="0"/>
-            </a:br>
-            <a:r>
-              <a:rPr lang="en-US" altLang="zh-TW" sz="1600" dirty="0"/>
-              <a:t>(UAT#4) </a:t>
-            </a:r>
-            <a:r>
-              <a:rPr lang="en-US" altLang="zh-TW" sz="1600" dirty="0" err="1"/>
-              <a:t>TaxiFare</a:t>
-            </a:r>
-            <a:r>
-              <a:rPr lang="en-US" altLang="zh-TW" sz="1600" dirty="0"/>
-              <a:t>(5.7, </a:t>
-            </a:r>
-            <a:r>
-              <a:rPr lang="en-US" altLang="zh-TW" sz="1600" dirty="0" err="1"/>
-              <a:t>TaxiType</a:t>
-            </a:r>
-            <a:r>
-              <a:rPr lang="en-US" altLang="zh-TW" sz="1600" dirty="0"/>
-              <a:t>=“</a:t>
-            </a:r>
-            <a:r>
-              <a:rPr lang="en-US" altLang="zh-TW" sz="1600" dirty="0" err="1"/>
-              <a:t>nT</a:t>
-            </a:r>
-            <a:r>
-              <a:rPr lang="en-US" altLang="zh-TW" sz="1600" dirty="0"/>
-              <a:t>”) # Return value 47.5</a:t>
-            </a:r>
-            <a:br>
-              <a:rPr lang="en-US" altLang="zh-TW" sz="1600" dirty="0"/>
-            </a:br>
-            <a:r>
-              <a:rPr lang="en-US" altLang="zh-TW" sz="1600" dirty="0"/>
-              <a:t>(UAT#5) </a:t>
-            </a:r>
-            <a:r>
-              <a:rPr lang="en-US" altLang="zh-TW" sz="1600" dirty="0" err="1"/>
-              <a:t>TaxiFare</a:t>
-            </a:r>
-            <a:r>
-              <a:rPr lang="en-US" altLang="zh-TW" sz="1600" dirty="0"/>
-              <a:t>(17.6, </a:t>
-            </a:r>
-            <a:r>
-              <a:rPr lang="en-US" altLang="zh-TW" sz="1600" dirty="0" err="1"/>
-              <a:t>TaxiType</a:t>
-            </a:r>
-            <a:r>
-              <a:rPr lang="en-US" altLang="zh-TW" sz="1600" dirty="0"/>
-              <a:t>=“</a:t>
-            </a:r>
-            <a:r>
-              <a:rPr lang="en-US" altLang="zh-TW" sz="1600" dirty="0" err="1"/>
-              <a:t>nT</a:t>
-            </a:r>
-            <a:r>
-              <a:rPr lang="en-US" altLang="zh-TW" sz="1600" dirty="0"/>
-              <a:t>”) # Return value 123.1</a:t>
-            </a:r>
-            <a:br>
-              <a:rPr lang="en-US" altLang="zh-TW" sz="1600" dirty="0"/>
-            </a:br>
-            <a:r>
-              <a:rPr lang="en-US" altLang="zh-TW" sz="1600" dirty="0"/>
-              <a:t>(UAT#6) </a:t>
-            </a:r>
-            <a:r>
-              <a:rPr lang="en-US" altLang="zh-TW" sz="1600" dirty="0" err="1"/>
-              <a:t>TaxiFare</a:t>
-            </a:r>
-            <a:r>
-              <a:rPr lang="en-US" altLang="zh-TW" sz="1600" dirty="0"/>
-              <a:t>(17.6, </a:t>
-            </a:r>
-            <a:r>
-              <a:rPr lang="en-US" altLang="zh-TW" sz="1600" dirty="0" err="1"/>
-              <a:t>TaxiType</a:t>
-            </a:r>
-            <a:r>
-              <a:rPr lang="en-US" altLang="zh-TW" sz="1600" dirty="0"/>
-              <a:t>=“</a:t>
-            </a:r>
-            <a:r>
-              <a:rPr lang="en-US" altLang="zh-TW" sz="1600" dirty="0" err="1"/>
-              <a:t>laNtAu</a:t>
-            </a:r>
-            <a:r>
-              <a:rPr lang="en-US" altLang="zh-TW" sz="1600" dirty="0"/>
-              <a:t>”) # Return value 136.0</a:t>
-            </a:r>
-            <a:br>
-              <a:rPr lang="en-US" altLang="zh-TW" sz="1600" dirty="0"/>
-            </a:br>
-            <a:r>
-              <a:rPr lang="en-US" altLang="zh-TW" sz="1600" dirty="0"/>
-              <a:t>(UAT#7) </a:t>
-            </a:r>
-            <a:r>
-              <a:rPr lang="en-US" altLang="zh-TW" sz="1600" dirty="0" err="1"/>
-              <a:t>TaxiFare</a:t>
-            </a:r>
-            <a:r>
-              <a:rPr lang="en-US" altLang="zh-TW" sz="1600" dirty="0"/>
-              <a:t>(36.4, </a:t>
-            </a:r>
-            <a:r>
-              <a:rPr lang="en-US" altLang="zh-TW" sz="1600" dirty="0" err="1"/>
-              <a:t>TaxiType</a:t>
-            </a:r>
-            <a:r>
-              <a:rPr lang="en-US" altLang="zh-TW" sz="1600" dirty="0"/>
-              <a:t>=“</a:t>
-            </a:r>
-            <a:r>
-              <a:rPr lang="en-US" altLang="zh-TW" sz="1600" dirty="0" err="1"/>
-              <a:t>laNtAu</a:t>
-            </a:r>
-            <a:r>
-              <a:rPr lang="en-US" altLang="zh-TW" sz="1600" dirty="0"/>
-              <a:t>”) # Return value 268.8 (Disneyland </a:t>
-            </a:r>
-            <a:r>
-              <a:rPr lang="en-US" altLang="zh-TW" sz="1600" dirty="0">
-                <a:sym typeface="Wingdings" panose="05000000000000000000" pitchFamily="2" charset="2"/>
-              </a:rPr>
-              <a:t> Tai O)</a:t>
-            </a:r>
-            <a:endParaRPr lang="en-US" altLang="zh-TW" sz="1600" dirty="0"/>
+              <a:rPr lang="en-US" altLang="zh-TW" sz="2400" dirty="0"/>
+              <a:t>The assignment should be handed ON-TIME – 5%</a:t>
+            </a:r>
           </a:p>
         </p:txBody>
       </p:sp>
     </p:spTree>
     <p:extLst>
       <p:ext uri="{BB962C8B-B14F-4D97-AF65-F5344CB8AC3E}">
-        <p14:creationId xmlns:p14="http://schemas.microsoft.com/office/powerpoint/2010/main" val="1169115053"/>
+        <p14:creationId xmlns:p14="http://schemas.microsoft.com/office/powerpoint/2010/main" val="531275832"/>
       </p:ext>
     </p:extLst>
   </p:cSld>
@@ -13082,7 +13633,7 @@
       </p:grpSpPr>
       <p:sp>
         <p:nvSpPr>
-          <p:cNvPr id="2" name="標題 1"/>
+          <p:cNvPr id="2" name="Title 1"/>
           <p:cNvSpPr>
             <a:spLocks noGrp="1"/>
           </p:cNvSpPr>
@@ -13095,108 +13646,59 @@
           <a:bodyPr/>
           <a:lstStyle/>
           <a:p>
-            <a:r>
-              <a:rPr lang="en-US" altLang="zh-TW" dirty="0"/>
-              <a:t>Assignment 1 – Taxi Calculator</a:t>
-            </a:r>
-            <a:endParaRPr lang="zh-TW" altLang="en-US" dirty="0"/>
-          </a:p>
-        </p:txBody>
-      </p:sp>
-      <p:sp>
-        <p:nvSpPr>
-          <p:cNvPr id="4" name="文字方塊 3">
-            <a:extLst>
-              <a:ext uri="{FF2B5EF4-FFF2-40B4-BE49-F238E27FC236}">
-                <a16:creationId xmlns:a16="http://schemas.microsoft.com/office/drawing/2014/main" id="{33A847BE-10B1-42EA-84C8-C544A4C339D9}"/>
-              </a:ext>
-            </a:extLst>
-          </p:cNvPr>
-          <p:cNvSpPr txBox="1"/>
-          <p:nvPr/>
-        </p:nvSpPr>
-        <p:spPr>
-          <a:xfrm>
-            <a:off x="914400" y="1417638"/>
-            <a:ext cx="7315200" cy="2677656"/>
-          </a:xfrm>
-          <a:prstGeom prst="rect">
-            <a:avLst/>
-          </a:prstGeom>
-          <a:noFill/>
-        </p:spPr>
-        <p:txBody>
-          <a:bodyPr wrap="square" rtlCol="0">
-            <a:spAutoFit/>
-          </a:bodyPr>
-          <a:lstStyle/>
-          <a:p>
-            <a:r>
-              <a:rPr lang="en-US" altLang="zh-TW" sz="2400" dirty="0"/>
-              <a:t>Marking Scheme</a:t>
-            </a:r>
-          </a:p>
-          <a:p>
-            <a:pPr marL="285750" indent="-285750">
-              <a:buFont typeface="Arial" panose="020B0604020202020204" pitchFamily="34" charset="0"/>
-              <a:buChar char="•"/>
-            </a:pPr>
-            <a:r>
-              <a:rPr lang="en-US" altLang="zh-TW" sz="2400" dirty="0"/>
-              <a:t>The program should be RUN-able – 50%</a:t>
-            </a:r>
-          </a:p>
-          <a:p>
-            <a:pPr marL="285750" indent="-285750">
-              <a:buFont typeface="Arial" panose="020B0604020202020204" pitchFamily="34" charset="0"/>
-              <a:buChar char="•"/>
-            </a:pPr>
-            <a:r>
-              <a:rPr lang="en-US" altLang="zh-TW" sz="2400" dirty="0"/>
-              <a:t>The program should be </a:t>
-            </a:r>
-            <a:r>
-              <a:rPr lang="en-US" altLang="zh-TW" sz="2400" dirty="0" err="1"/>
-              <a:t>PASSed</a:t>
-            </a:r>
-            <a:r>
-              <a:rPr lang="en-US" altLang="zh-TW" sz="2400" dirty="0"/>
-              <a:t> all UAT case – 7*5% = 35%</a:t>
-            </a:r>
-            <a:br>
-              <a:rPr lang="en-US" altLang="zh-TW" sz="2400" dirty="0"/>
-            </a:br>
-            <a:r>
-              <a:rPr lang="en-US" altLang="zh-TW" sz="2400" dirty="0"/>
-              <a:t>(UAT = user acceptance test)</a:t>
-            </a:r>
-          </a:p>
-          <a:p>
-            <a:pPr marL="285750" indent="-285750">
-              <a:buFont typeface="Arial" panose="020B0604020202020204" pitchFamily="34" charset="0"/>
-              <a:buChar char="•"/>
-            </a:pPr>
-            <a:r>
-              <a:rPr lang="en-US" altLang="zh-TW" sz="2400" dirty="0"/>
-              <a:t>The program should be READ-able – 10%</a:t>
-            </a:r>
-          </a:p>
-          <a:p>
-            <a:pPr marL="285750" indent="-285750">
-              <a:buFont typeface="Arial" panose="020B0604020202020204" pitchFamily="34" charset="0"/>
-              <a:buChar char="•"/>
-            </a:pPr>
-            <a:r>
-              <a:rPr lang="en-US" altLang="zh-TW" sz="2400" dirty="0"/>
-              <a:t>The assignment should be handed ON-TIME – 5%</a:t>
-            </a:r>
+            <a:endParaRPr lang="en-US"/>
+          </a:p>
+        </p:txBody>
+      </p:sp>
+      <p:sp>
+        <p:nvSpPr>
+          <p:cNvPr id="3" name="Content Placeholder 2"/>
+          <p:cNvSpPr>
+            <a:spLocks noGrp="1"/>
+          </p:cNvSpPr>
+          <p:nvPr>
+            <p:ph sz="quarter" idx="1"/>
+          </p:nvPr>
+        </p:nvSpPr>
+        <p:spPr/>
+        <p:txBody>
+          <a:bodyPr/>
+          <a:lstStyle/>
+          <a:p>
+            <a:r>
+              <a:rPr lang="en-HK" dirty="0" smtClean="0"/>
+              <a:t>Next week 29 June – </a:t>
+            </a:r>
+            <a:r>
+              <a:rPr lang="en-HK" sz="6000" dirty="0" smtClean="0"/>
+              <a:t>NO LESSON !!!</a:t>
+            </a:r>
+          </a:p>
+          <a:p>
+            <a:r>
+              <a:rPr lang="en-HK" sz="2800" dirty="0" smtClean="0"/>
+              <a:t>See you next </a:t>
+            </a:r>
+            <a:r>
+              <a:rPr lang="en-HK" sz="2800" dirty="0" err="1" smtClean="0"/>
+              <a:t>next</a:t>
+            </a:r>
+            <a:r>
+              <a:rPr lang="en-HK" sz="2800" dirty="0" smtClean="0"/>
+              <a:t> week – </a:t>
+            </a:r>
+            <a:r>
+              <a:rPr lang="en-HK" sz="7200" dirty="0" smtClean="0"/>
+              <a:t>6 July</a:t>
+            </a:r>
+            <a:endParaRPr lang="en-US" dirty="0"/>
           </a:p>
         </p:txBody>
       </p:sp>
     </p:spTree>
     <p:extLst>
       <p:ext uri="{BB962C8B-B14F-4D97-AF65-F5344CB8AC3E}">
-        <p14:creationId xmlns:p14="http://schemas.microsoft.com/office/powerpoint/2010/main" val="531275832"/>
+        <p14:creationId xmlns:p14="http://schemas.microsoft.com/office/powerpoint/2010/main" val="3320302316"/>
       </p:ext>
     </p:extLst>
   </p:cSld>
@@ -13279,667 +13781,6 @@
 </file>
 
 <file path=ppt/slides/slide4.xml><?xml version="1.0" encoding="utf-8"?>
-<p:sld xmlns:a="http://schemas.openxmlformats.org/drawingml/2006/main" xmlns:r="http://schemas.openxmlformats.org/officeDocument/2006/relationships" xmlns:p="http://schemas.openxmlformats.org/presentationml/2006/main">
-  <p:cSld>
-    <p:spTree>
-      <p:nvGrpSpPr>
-        <p:cNvPr id="1" name=""/>
-        <p:cNvGrpSpPr/>
-        <p:nvPr/>
-      </p:nvGrpSpPr>
-      <p:grpSpPr>
-        <a:xfrm>
-          <a:off x="0" y="0"/>
-          <a:ext cx="0" cy="0"/>
-          <a:chOff x="0" y="0"/>
-          <a:chExt cx="0" cy="0"/>
-        </a:xfrm>
-      </p:grpSpPr>
-      <p:sp>
-        <p:nvSpPr>
-          <p:cNvPr id="2" name="標題 1"/>
-          <p:cNvSpPr>
-            <a:spLocks noGrp="1"/>
-          </p:cNvSpPr>
-          <p:nvPr>
-            <p:ph type="title"/>
-          </p:nvPr>
-        </p:nvSpPr>
-        <p:spPr>
-          <a:xfrm>
-            <a:off x="914400" y="274638"/>
-            <a:ext cx="7772400" cy="670860"/>
-          </a:xfrm>
-        </p:spPr>
-        <p:txBody>
-          <a:bodyPr>
-            <a:normAutofit fontScale="90000"/>
-          </a:bodyPr>
-          <a:lstStyle/>
-          <a:p>
-            <a:r>
-              <a:rPr lang="en-US" altLang="zh-TW" dirty="0"/>
-              <a:t>Self-Introduction</a:t>
-            </a:r>
-            <a:endParaRPr lang="zh-TW" altLang="en-US" dirty="0"/>
-          </a:p>
-        </p:txBody>
-      </p:sp>
-      <p:sp>
-        <p:nvSpPr>
-          <p:cNvPr id="3" name="內容版面配置區 2"/>
-          <p:cNvSpPr>
-            <a:spLocks noGrp="1"/>
-          </p:cNvSpPr>
-          <p:nvPr>
-            <p:ph sz="quarter" idx="1"/>
-          </p:nvPr>
-        </p:nvSpPr>
-        <p:spPr>
-          <a:xfrm>
-            <a:off x="903973" y="874483"/>
-            <a:ext cx="6249888" cy="5167356"/>
-          </a:xfrm>
-        </p:spPr>
-        <p:txBody>
-          <a:bodyPr>
-            <a:normAutofit fontScale="70000" lnSpcReduction="20000"/>
-          </a:bodyPr>
-          <a:lstStyle/>
-          <a:p>
-            <a:r>
-              <a:rPr lang="en-US" altLang="zh-TW" dirty="0"/>
-              <a:t>2008 July </a:t>
-            </a:r>
-            <a:br>
-              <a:rPr lang="en-US" altLang="zh-TW" dirty="0"/>
-            </a:br>
-            <a:r>
-              <a:rPr lang="en-US" altLang="zh-TW" dirty="0"/>
-              <a:t>BSc in Statistics CUHK (1</a:t>
-            </a:r>
-            <a:r>
-              <a:rPr lang="en-US" altLang="zh-TW" baseline="30000" dirty="0"/>
-              <a:t>st</a:t>
-            </a:r>
-            <a:r>
-              <a:rPr lang="en-US" altLang="zh-TW" dirty="0"/>
-              <a:t> </a:t>
-            </a:r>
-            <a:r>
-              <a:rPr lang="en-US" altLang="zh-TW" dirty="0" err="1"/>
-              <a:t>Hons</a:t>
-            </a:r>
-            <a:r>
-              <a:rPr lang="en-US" altLang="zh-TW" dirty="0"/>
-              <a:t>)</a:t>
-            </a:r>
-            <a:br>
-              <a:rPr lang="en-US" altLang="zh-TW" dirty="0"/>
-            </a:br>
-            <a:r>
-              <a:rPr lang="en-US" altLang="zh-TW" dirty="0"/>
-              <a:t>in Data Science and Bus. Stat. Stream</a:t>
-            </a:r>
-          </a:p>
-          <a:p>
-            <a:r>
-              <a:rPr lang="en-US" altLang="zh-TW" dirty="0"/>
-              <a:t>2010</a:t>
-            </a:r>
-            <a:r>
-              <a:rPr lang="zh-TW" altLang="en-US" dirty="0"/>
-              <a:t> </a:t>
-            </a:r>
-            <a:r>
-              <a:rPr lang="en-US" altLang="zh-TW" dirty="0"/>
-              <a:t>July </a:t>
-            </a:r>
-            <a:br>
-              <a:rPr lang="en-US" altLang="zh-TW" dirty="0"/>
-            </a:br>
-            <a:r>
-              <a:rPr lang="en-US" altLang="zh-TW" dirty="0"/>
-              <a:t>MPhil in Statistics CUHK</a:t>
-            </a:r>
-            <a:br>
-              <a:rPr lang="en-US" altLang="zh-TW" dirty="0"/>
-            </a:br>
-            <a:r>
-              <a:rPr lang="en-US" altLang="zh-TW" dirty="0"/>
-              <a:t>under Supervised by Prof. Ben Chan</a:t>
-            </a:r>
-          </a:p>
-          <a:p>
-            <a:r>
-              <a:rPr lang="en-US" altLang="zh-TW" dirty="0"/>
-              <a:t>2010 Oct – 2013 Sept</a:t>
-            </a:r>
-            <a:br>
-              <a:rPr lang="en-US" altLang="zh-TW" dirty="0"/>
-            </a:br>
-            <a:r>
-              <a:rPr lang="en-US" altLang="zh-TW" dirty="0"/>
-              <a:t>Research Analyst – </a:t>
-            </a:r>
-            <a:r>
-              <a:rPr lang="en-US" altLang="zh-TW" dirty="0" err="1"/>
-              <a:t>Algo</a:t>
-            </a:r>
-            <a:r>
-              <a:rPr lang="en-US" altLang="zh-TW" dirty="0"/>
-              <a:t> Trading</a:t>
-            </a:r>
-            <a:br>
-              <a:rPr lang="en-US" altLang="zh-TW" dirty="0"/>
-            </a:br>
-            <a:r>
-              <a:rPr lang="en-US" altLang="zh-TW" dirty="0"/>
-              <a:t>CASH Dynamic Opportunities Investment</a:t>
-            </a:r>
-          </a:p>
-          <a:p>
-            <a:r>
-              <a:rPr lang="en-US" altLang="zh-TW" dirty="0"/>
-              <a:t>2013 Sept – 2014 Sept</a:t>
-            </a:r>
-            <a:br>
-              <a:rPr lang="en-US" altLang="zh-TW" dirty="0"/>
-            </a:br>
-            <a:r>
-              <a:rPr lang="en-US" altLang="zh-TW" dirty="0"/>
-              <a:t>Quantitative Analyst – IT Consulting</a:t>
-            </a:r>
-            <a:br>
-              <a:rPr lang="en-US" altLang="zh-TW" dirty="0"/>
-            </a:br>
-            <a:r>
-              <a:rPr lang="en-US" altLang="zh-TW" dirty="0"/>
-              <a:t>Long Term Intelligence</a:t>
-            </a:r>
-          </a:p>
-          <a:p>
-            <a:r>
-              <a:rPr lang="en-US" altLang="zh-TW" dirty="0"/>
-              <a:t>2014 Sept – 2015 Sept</a:t>
-            </a:r>
-            <a:br>
-              <a:rPr lang="en-US" altLang="zh-TW" dirty="0"/>
-            </a:br>
-            <a:r>
-              <a:rPr lang="en-US" altLang="zh-TW" dirty="0"/>
-              <a:t>Project Officer - Environmental Predictive </a:t>
-            </a:r>
-            <a:r>
-              <a:rPr lang="en-US" altLang="zh-TW" dirty="0" err="1"/>
-              <a:t>Modelling</a:t>
-            </a:r>
-            <a:br>
-              <a:rPr lang="en-US" altLang="zh-TW" dirty="0"/>
-            </a:br>
-            <a:r>
-              <a:rPr lang="en-US" altLang="zh-TW" dirty="0"/>
-              <a:t>Environmental Protection </a:t>
-            </a:r>
-            <a:r>
-              <a:rPr lang="en-US" altLang="zh-TW" dirty="0" err="1"/>
-              <a:t>Dept</a:t>
-            </a:r>
-            <a:r>
-              <a:rPr lang="en-US" altLang="zh-TW" dirty="0"/>
-              <a:t>, HK Gov’t</a:t>
-            </a:r>
-          </a:p>
-          <a:p>
-            <a:r>
-              <a:rPr lang="en-US" altLang="zh-TW" dirty="0"/>
-              <a:t>2016 March – 2018 Dec</a:t>
-            </a:r>
-            <a:br>
-              <a:rPr lang="en-US" altLang="zh-TW" dirty="0"/>
-            </a:br>
-            <a:r>
-              <a:rPr lang="en-US" altLang="zh-TW" dirty="0"/>
-              <a:t>Data Scientist – Group IT, </a:t>
-            </a:r>
-            <a:r>
-              <a:rPr lang="en-US" altLang="zh-TW" dirty="0" err="1"/>
-              <a:t>CoE</a:t>
-            </a:r>
-            <a:r>
-              <a:rPr lang="en-US" altLang="zh-TW" dirty="0"/>
-              <a:t> Analytics</a:t>
-            </a:r>
-            <a:br>
-              <a:rPr lang="en-US" altLang="zh-TW" dirty="0"/>
-            </a:br>
-            <a:r>
-              <a:rPr lang="en-US" altLang="zh-TW" dirty="0"/>
-              <a:t>CLP Power Limited</a:t>
-            </a:r>
-          </a:p>
-          <a:p>
-            <a:r>
-              <a:rPr lang="en-HK" altLang="zh-TW" dirty="0"/>
-              <a:t>2019 February – NOW</a:t>
-            </a:r>
-            <a:br>
-              <a:rPr lang="en-HK" altLang="zh-TW" dirty="0"/>
-            </a:br>
-            <a:r>
-              <a:rPr lang="en-HK" altLang="zh-TW" dirty="0"/>
-              <a:t>Data Scientist, Data Analytics Manager – Chief Data Office</a:t>
-            </a:r>
-            <a:br>
-              <a:rPr lang="en-HK" altLang="zh-TW" dirty="0"/>
-            </a:br>
-            <a:r>
-              <a:rPr lang="en-HK" altLang="zh-TW" dirty="0"/>
-              <a:t>Hang Seng Bank Limited</a:t>
-            </a:r>
-            <a:endParaRPr lang="zh-TW" altLang="en-US" dirty="0"/>
-          </a:p>
-        </p:txBody>
-      </p:sp>
-      <p:pic>
-        <p:nvPicPr>
-          <p:cNvPr id="1026" name="Picture 2" descr="https://avatars3.githubusercontent.com/u/15514661?s=400&amp;v=4"/>
-          <p:cNvPicPr>
-            <a:picLocks noChangeAspect="1" noChangeArrowheads="1"/>
-          </p:cNvPicPr>
-          <p:nvPr/>
-        </p:nvPicPr>
-        <p:blipFill>
-          <a:blip r:embed="rId2">
-            <a:extLst>
-              <a:ext uri="{28A0092B-C50C-407E-A947-70E740481C1C}">
-                <a14:useLocalDpi xmlns:a14="http://schemas.microsoft.com/office/drawing/2010/main" val="0"/>
-              </a:ext>
-            </a:extLst>
-          </a:blip>
-          <a:srcRect/>
-          <a:stretch>
-            <a:fillRect/>
-          </a:stretch>
-        </p:blipFill>
-        <p:spPr bwMode="auto">
-          <a:xfrm>
-            <a:off x="6156176" y="1412776"/>
-            <a:ext cx="2441848" cy="2441848"/>
-          </a:xfrm>
-          <a:prstGeom prst="rect">
-            <a:avLst/>
-          </a:prstGeom>
-          <a:noFill/>
-          <a:extLst>
-            <a:ext uri="{909E8E84-426E-40DD-AFC4-6F175D3DCCD1}">
-              <a14:hiddenFill xmlns:a14="http://schemas.microsoft.com/office/drawing/2010/main">
-                <a:solidFill>
-                  <a:srgbClr val="FFFFFF"/>
-                </a:solidFill>
-              </a14:hiddenFill>
-            </a:ext>
-          </a:extLst>
-        </p:spPr>
-      </p:pic>
-      <p:sp>
-        <p:nvSpPr>
-          <p:cNvPr id="4" name="AutoShape 4" descr="linkedin iconçåçæå°çµæ"/>
-          <p:cNvSpPr>
-            <a:spLocks noChangeAspect="1" noChangeArrowheads="1"/>
-          </p:cNvSpPr>
-          <p:nvPr/>
-        </p:nvSpPr>
-        <p:spPr bwMode="auto">
-          <a:xfrm>
-            <a:off x="155575" y="-144463"/>
-            <a:ext cx="304800" cy="304801"/>
-          </a:xfrm>
-          <a:prstGeom prst="rect">
-            <a:avLst/>
-          </a:prstGeom>
-          <a:noFill/>
-          <a:extLst>
-            <a:ext uri="{909E8E84-426E-40DD-AFC4-6F175D3DCCD1}">
-              <a14:hiddenFill xmlns:a14="http://schemas.microsoft.com/office/drawing/2010/main">
-                <a:solidFill>
-                  <a:srgbClr val="FFFFFF"/>
-                </a:solidFill>
-              </a14:hiddenFill>
-            </a:ext>
-          </a:extLst>
-        </p:spPr>
-        <p:txBody>
-          <a:bodyPr vert="horz" wrap="square" lIns="91440" tIns="45720" rIns="91440" bIns="45720" numCol="1" anchor="t" anchorCtr="0" compatLnSpc="1">
-            <a:prstTxWarp prst="textNoShape">
-              <a:avLst/>
-            </a:prstTxWarp>
-          </a:bodyPr>
-          <a:lstStyle/>
-          <a:p>
-            <a:endParaRPr lang="zh-TW" altLang="en-US"/>
-          </a:p>
-        </p:txBody>
-      </p:sp>
-      <p:sp>
-        <p:nvSpPr>
-          <p:cNvPr id="5" name="AutoShape 6" descr="linkedin iconçåçæå°çµæ"/>
-          <p:cNvSpPr>
-            <a:spLocks noChangeAspect="1" noChangeArrowheads="1"/>
-          </p:cNvSpPr>
-          <p:nvPr/>
-        </p:nvSpPr>
-        <p:spPr bwMode="auto">
-          <a:xfrm>
-            <a:off x="307975" y="7937"/>
-            <a:ext cx="304800" cy="304801"/>
-          </a:xfrm>
-          <a:prstGeom prst="rect">
-            <a:avLst/>
-          </a:prstGeom>
-          <a:noFill/>
-          <a:extLst>
-            <a:ext uri="{909E8E84-426E-40DD-AFC4-6F175D3DCCD1}">
-              <a14:hiddenFill xmlns:a14="http://schemas.microsoft.com/office/drawing/2010/main">
-                <a:solidFill>
-                  <a:srgbClr val="FFFFFF"/>
-                </a:solidFill>
-              </a14:hiddenFill>
-            </a:ext>
-          </a:extLst>
-        </p:spPr>
-        <p:txBody>
-          <a:bodyPr vert="horz" wrap="square" lIns="91440" tIns="45720" rIns="91440" bIns="45720" numCol="1" anchor="t" anchorCtr="0" compatLnSpc="1">
-            <a:prstTxWarp prst="textNoShape">
-              <a:avLst/>
-            </a:prstTxWarp>
-          </a:bodyPr>
-          <a:lstStyle/>
-          <a:p>
-            <a:endParaRPr lang="zh-TW" altLang="en-US"/>
-          </a:p>
-        </p:txBody>
-      </p:sp>
-      <p:sp>
-        <p:nvSpPr>
-          <p:cNvPr id="6" name="AutoShape 8" descr="linkedin iconçåçæå°çµæ"/>
-          <p:cNvSpPr>
-            <a:spLocks noChangeAspect="1" noChangeArrowheads="1"/>
-          </p:cNvSpPr>
-          <p:nvPr/>
-        </p:nvSpPr>
-        <p:spPr bwMode="auto">
-          <a:xfrm>
-            <a:off x="460375" y="160337"/>
-            <a:ext cx="304800" cy="304801"/>
-          </a:xfrm>
-          <a:prstGeom prst="rect">
-            <a:avLst/>
-          </a:prstGeom>
-          <a:noFill/>
-          <a:extLst>
-            <a:ext uri="{909E8E84-426E-40DD-AFC4-6F175D3DCCD1}">
-              <a14:hiddenFill xmlns:a14="http://schemas.microsoft.com/office/drawing/2010/main">
-                <a:solidFill>
-                  <a:srgbClr val="FFFFFF"/>
-                </a:solidFill>
-              </a14:hiddenFill>
-            </a:ext>
-          </a:extLst>
-        </p:spPr>
-        <p:txBody>
-          <a:bodyPr vert="horz" wrap="square" lIns="91440" tIns="45720" rIns="91440" bIns="45720" numCol="1" anchor="t" anchorCtr="0" compatLnSpc="1">
-            <a:prstTxWarp prst="textNoShape">
-              <a:avLst/>
-            </a:prstTxWarp>
-          </a:bodyPr>
-          <a:lstStyle/>
-          <a:p>
-            <a:endParaRPr lang="zh-TW" altLang="en-US"/>
-          </a:p>
-        </p:txBody>
-      </p:sp>
-      <p:pic>
-        <p:nvPicPr>
-          <p:cNvPr id="1033" name="Picture 9"/>
-          <p:cNvPicPr>
-            <a:picLocks noChangeAspect="1" noChangeArrowheads="1"/>
-          </p:cNvPicPr>
-          <p:nvPr/>
-        </p:nvPicPr>
-        <p:blipFill>
-          <a:blip r:embed="rId3" cstate="print">
-            <a:extLst>
-              <a:ext uri="{28A0092B-C50C-407E-A947-70E740481C1C}">
-                <a14:useLocalDpi xmlns:a14="http://schemas.microsoft.com/office/drawing/2010/main" val="0"/>
-              </a:ext>
-            </a:extLst>
-          </a:blip>
-          <a:srcRect/>
-          <a:stretch>
-            <a:fillRect/>
-          </a:stretch>
-        </p:blipFill>
-        <p:spPr bwMode="auto">
-          <a:xfrm>
-            <a:off x="5439909" y="198203"/>
-            <a:ext cx="369332" cy="369332"/>
-          </a:xfrm>
-          <a:prstGeom prst="rect">
-            <a:avLst/>
-          </a:prstGeom>
-          <a:noFill/>
-          <a:ln>
-            <a:noFill/>
-          </a:ln>
-          <a:effectLst/>
-          <a:extLst>
-            <a:ext uri="{909E8E84-426E-40DD-AFC4-6F175D3DCCD1}">
-              <a14:hiddenFill xmlns:a14="http://schemas.microsoft.com/office/drawing/2010/main">
-                <a:solidFill>
-                  <a:schemeClr val="accent1"/>
-                </a:solidFill>
-              </a14:hiddenFill>
-            </a:ext>
-            <a:ext uri="{91240B29-F687-4F45-9708-019B960494DF}">
-              <a14:hiddenLine xmlns:a14="http://schemas.microsoft.com/office/drawing/2010/main" w="9525">
-                <a:solidFill>
-                  <a:schemeClr val="tx1"/>
-                </a:solidFill>
-                <a:miter lim="800000"/>
-                <a:headEnd/>
-                <a:tailEnd/>
-              </a14:hiddenLine>
-            </a:ext>
-            <a:ext uri="{AF507438-7753-43E0-B8FC-AC1667EBCBE1}">
-              <a14:hiddenEffects xmlns:a14="http://schemas.microsoft.com/office/drawing/2010/main">
-                <a:effectLst>
-                  <a:outerShdw dist="35921" dir="2700000" algn="ctr" rotWithShape="0">
-                    <a:schemeClr val="bg2"/>
-                  </a:outerShdw>
-                </a:effectLst>
-              </a14:hiddenEffects>
-            </a:ext>
-          </a:extLst>
-        </p:spPr>
-      </p:pic>
-      <p:sp>
-        <p:nvSpPr>
-          <p:cNvPr id="7" name="文字方塊 6"/>
-          <p:cNvSpPr txBox="1"/>
-          <p:nvPr/>
-        </p:nvSpPr>
-        <p:spPr>
-          <a:xfrm>
-            <a:off x="5874568" y="198202"/>
-            <a:ext cx="3233936" cy="369332"/>
-          </a:xfrm>
-          <a:prstGeom prst="rect">
-            <a:avLst/>
-          </a:prstGeom>
-          <a:noFill/>
-        </p:spPr>
-        <p:txBody>
-          <a:bodyPr wrap="square" rtlCol="0">
-            <a:spAutoFit/>
-          </a:bodyPr>
-          <a:lstStyle/>
-          <a:p>
-            <a:r>
-              <a:rPr lang="en-US" altLang="zh-TW" dirty="0"/>
-              <a:t>www.linkedin.com/in/kyalanlo/</a:t>
-            </a:r>
-            <a:endParaRPr lang="zh-TW" altLang="en-US" dirty="0"/>
-          </a:p>
-        </p:txBody>
-      </p:sp>
-      <p:sp>
-        <p:nvSpPr>
-          <p:cNvPr id="10" name="文字方塊 9"/>
-          <p:cNvSpPr txBox="1"/>
-          <p:nvPr/>
-        </p:nvSpPr>
-        <p:spPr>
-          <a:xfrm>
-            <a:off x="5874568" y="665480"/>
-            <a:ext cx="3233936" cy="369332"/>
-          </a:xfrm>
-          <a:prstGeom prst="rect">
-            <a:avLst/>
-          </a:prstGeom>
-          <a:noFill/>
-        </p:spPr>
-        <p:txBody>
-          <a:bodyPr wrap="square" rtlCol="0">
-            <a:spAutoFit/>
-          </a:bodyPr>
-          <a:lstStyle/>
-          <a:p>
-            <a:r>
-              <a:rPr lang="en-US" altLang="zh-TW" dirty="0"/>
-              <a:t>kyalan.2013@gmail.com</a:t>
-            </a:r>
-            <a:endParaRPr lang="zh-TW" altLang="en-US" dirty="0"/>
-          </a:p>
-        </p:txBody>
-      </p:sp>
-      <p:sp>
-        <p:nvSpPr>
-          <p:cNvPr id="8" name="AutoShape 11" descr="email iconçåçæå°çµæ"/>
-          <p:cNvSpPr>
-            <a:spLocks noChangeAspect="1" noChangeArrowheads="1"/>
-          </p:cNvSpPr>
-          <p:nvPr/>
-        </p:nvSpPr>
-        <p:spPr bwMode="auto">
-          <a:xfrm>
-            <a:off x="612775" y="312737"/>
-            <a:ext cx="304800" cy="304801"/>
-          </a:xfrm>
-          <a:prstGeom prst="rect">
-            <a:avLst/>
-          </a:prstGeom>
-          <a:noFill/>
-          <a:extLst>
-            <a:ext uri="{909E8E84-426E-40DD-AFC4-6F175D3DCCD1}">
-              <a14:hiddenFill xmlns:a14="http://schemas.microsoft.com/office/drawing/2010/main">
-                <a:solidFill>
-                  <a:srgbClr val="FFFFFF"/>
-                </a:solidFill>
-              </a14:hiddenFill>
-            </a:ext>
-          </a:extLst>
-        </p:spPr>
-        <p:txBody>
-          <a:bodyPr vert="horz" wrap="square" lIns="91440" tIns="45720" rIns="91440" bIns="45720" numCol="1" anchor="t" anchorCtr="0" compatLnSpc="1">
-            <a:prstTxWarp prst="textNoShape">
-              <a:avLst/>
-            </a:prstTxWarp>
-          </a:bodyPr>
-          <a:lstStyle/>
-          <a:p>
-            <a:endParaRPr lang="zh-TW" altLang="en-US"/>
-          </a:p>
-        </p:txBody>
-      </p:sp>
-      <p:pic>
-        <p:nvPicPr>
-          <p:cNvPr id="1036" name="Picture 12"/>
-          <p:cNvPicPr>
-            <a:picLocks noChangeAspect="1" noChangeArrowheads="1"/>
-          </p:cNvPicPr>
-          <p:nvPr/>
-        </p:nvPicPr>
-        <p:blipFill>
-          <a:blip r:embed="rId4" cstate="print">
-            <a:extLst>
-              <a:ext uri="{28A0092B-C50C-407E-A947-70E740481C1C}">
-                <a14:useLocalDpi xmlns:a14="http://schemas.microsoft.com/office/drawing/2010/main" val="0"/>
-              </a:ext>
-            </a:extLst>
-          </a:blip>
-          <a:srcRect/>
-          <a:stretch>
-            <a:fillRect/>
-          </a:stretch>
-        </p:blipFill>
-        <p:spPr bwMode="auto">
-          <a:xfrm>
-            <a:off x="5440492" y="682899"/>
-            <a:ext cx="344802" cy="344802"/>
-          </a:xfrm>
-          <a:prstGeom prst="rect">
-            <a:avLst/>
-          </a:prstGeom>
-          <a:noFill/>
-          <a:ln>
-            <a:noFill/>
-          </a:ln>
-          <a:effectLst/>
-          <a:extLst>
-            <a:ext uri="{909E8E84-426E-40DD-AFC4-6F175D3DCCD1}">
-              <a14:hiddenFill xmlns:a14="http://schemas.microsoft.com/office/drawing/2010/main">
-                <a:solidFill>
-                  <a:schemeClr val="accent1"/>
-                </a:solidFill>
-              </a14:hiddenFill>
-            </a:ext>
-            <a:ext uri="{91240B29-F687-4F45-9708-019B960494DF}">
-              <a14:hiddenLine xmlns:a14="http://schemas.microsoft.com/office/drawing/2010/main" w="9525">
-                <a:solidFill>
-                  <a:schemeClr val="tx1"/>
-                </a:solidFill>
-                <a:miter lim="800000"/>
-                <a:headEnd/>
-                <a:tailEnd/>
-              </a14:hiddenLine>
-            </a:ext>
-            <a:ext uri="{AF507438-7753-43E0-B8FC-AC1667EBCBE1}">
-              <a14:hiddenEffects xmlns:a14="http://schemas.microsoft.com/office/drawing/2010/main">
-                <a:effectLst>
-                  <a:outerShdw dist="35921" dir="2700000" algn="ctr" rotWithShape="0">
-                    <a:schemeClr val="bg2"/>
-                  </a:outerShdw>
-                </a:effectLst>
-              </a14:hiddenEffects>
-            </a:ext>
-          </a:extLst>
-        </p:spPr>
-      </p:pic>
-    </p:spTree>
-    <p:extLst>
-      <p:ext uri="{BB962C8B-B14F-4D97-AF65-F5344CB8AC3E}">
-        <p14:creationId xmlns:p14="http://schemas.microsoft.com/office/powerpoint/2010/main" val="2712827271"/>
-      </p:ext>
-    </p:extLst>
-  </p:cSld>
-  <p:clrMapOvr>
-    <a:masterClrMapping/>
-  </p:clrMapOvr>
-</p:sld>
-</file>
-
-<file path=ppt/slides/slide5.xml><?xml version="1.0" encoding="utf-8"?>
 <p:sld xmlns:a="http://schemas.openxmlformats.org/drawingml/2006/main" xmlns:r="http://schemas.openxmlformats.org/officeDocument/2006/relationships" xmlns:p="http://schemas.openxmlformats.org/presentationml/2006/main">
   <p:cSld>
     <p:spTree>
@@ -15521,6 +15362,136 @@
 </p:sld>
 </file>
 
+<file path=ppt/slides/slide5.xml><?xml version="1.0" encoding="utf-8"?>
+<p:sld xmlns:a="http://schemas.openxmlformats.org/drawingml/2006/main" xmlns:r="http://schemas.openxmlformats.org/officeDocument/2006/relationships" xmlns:p="http://schemas.openxmlformats.org/presentationml/2006/main">
+  <p:cSld>
+    <p:spTree>
+      <p:nvGrpSpPr>
+        <p:cNvPr id="1" name=""/>
+        <p:cNvGrpSpPr/>
+        <p:nvPr/>
+      </p:nvGrpSpPr>
+      <p:grpSpPr>
+        <a:xfrm>
+          <a:off x="0" y="0"/>
+          <a:ext cx="0" cy="0"/>
+          <a:chOff x="0" y="0"/>
+          <a:chExt cx="0" cy="0"/>
+        </a:xfrm>
+      </p:grpSpPr>
+      <p:sp>
+        <p:nvSpPr>
+          <p:cNvPr id="2" name="標題 1">
+            <a:extLst>
+              <a:ext uri="{FF2B5EF4-FFF2-40B4-BE49-F238E27FC236}">
+                <a16:creationId xmlns:a16="http://schemas.microsoft.com/office/drawing/2014/main" id="{EAE3901B-F28C-425C-B30F-9FC6ACFA76CA}"/>
+              </a:ext>
+            </a:extLst>
+          </p:cNvPr>
+          <p:cNvSpPr>
+            <a:spLocks noGrp="1"/>
+          </p:cNvSpPr>
+          <p:nvPr>
+            <p:ph type="title"/>
+          </p:nvPr>
+        </p:nvSpPr>
+        <p:spPr/>
+        <p:txBody>
+          <a:bodyPr/>
+          <a:lstStyle/>
+          <a:p>
+            <a:r>
+              <a:rPr lang="en-US" altLang="zh-TW" dirty="0"/>
+              <a:t>Agenda in this 5 weeks</a:t>
+            </a:r>
+            <a:endParaRPr lang="zh-TW" altLang="en-US" dirty="0"/>
+          </a:p>
+        </p:txBody>
+      </p:sp>
+      <p:sp>
+        <p:nvSpPr>
+          <p:cNvPr id="3" name="內容版面配置區 2">
+            <a:extLst>
+              <a:ext uri="{FF2B5EF4-FFF2-40B4-BE49-F238E27FC236}">
+                <a16:creationId xmlns:a16="http://schemas.microsoft.com/office/drawing/2014/main" id="{CD935279-0848-4311-87E6-B788DEA160ED}"/>
+              </a:ext>
+            </a:extLst>
+          </p:cNvPr>
+          <p:cNvSpPr>
+            <a:spLocks noGrp="1"/>
+          </p:cNvSpPr>
+          <p:nvPr>
+            <p:ph sz="quarter" idx="1"/>
+          </p:nvPr>
+        </p:nvSpPr>
+        <p:spPr/>
+        <p:txBody>
+          <a:bodyPr/>
+          <a:lstStyle/>
+          <a:p>
+            <a:r>
+              <a:rPr lang="en-US" altLang="zh-TW" dirty="0"/>
+              <a:t>22 June - Python Basics, IO, strings, datetime</a:t>
+            </a:r>
+          </a:p>
+          <a:p>
+            <a:r>
+              <a:rPr lang="en-US" altLang="zh-TW" dirty="0"/>
+              <a:t>6 July - Data Structures - List, Dictionary, Tuple, </a:t>
+            </a:r>
+            <a:r>
+              <a:rPr lang="en-US" altLang="zh-TW" dirty="0" err="1"/>
+              <a:t>DataFrame</a:t>
+            </a:r>
+            <a:r>
+              <a:rPr lang="en-US" altLang="zh-TW" dirty="0"/>
+              <a:t> in Pandas</a:t>
+            </a:r>
+          </a:p>
+          <a:p>
+            <a:r>
+              <a:rPr lang="en-US" altLang="zh-TW" dirty="0"/>
+              <a:t>13 July - Pandas for Data Processing - Query, Sort, Merge, Missing Value Handling</a:t>
+            </a:r>
+          </a:p>
+          <a:p>
+            <a:r>
+              <a:rPr lang="en-US" altLang="zh-TW" dirty="0"/>
+              <a:t>20 July - APIs, web scraping</a:t>
+            </a:r>
+          </a:p>
+          <a:p>
+            <a:r>
+              <a:rPr lang="en-US" altLang="zh-TW" dirty="0"/>
+              <a:t>27 July - </a:t>
+            </a:r>
+            <a:r>
+              <a:rPr lang="en-US" altLang="zh-TW" dirty="0" err="1"/>
+              <a:t>Numpy</a:t>
+            </a:r>
+            <a:r>
+              <a:rPr lang="en-US" altLang="zh-TW" dirty="0"/>
+              <a:t>, univariate statistics, random generators, Plots, and the other topics</a:t>
+            </a:r>
+          </a:p>
+          <a:p>
+            <a:endParaRPr lang="zh-TW" altLang="en-US" dirty="0"/>
+          </a:p>
+        </p:txBody>
+      </p:sp>
+    </p:spTree>
+    <p:extLst>
+      <p:ext uri="{BB962C8B-B14F-4D97-AF65-F5344CB8AC3E}">
+        <p14:creationId xmlns:p14="http://schemas.microsoft.com/office/powerpoint/2010/main" val="1125826212"/>
+      </p:ext>
+    </p:extLst>
+  </p:cSld>
+  <p:clrMapOvr>
+    <a:masterClrMapping/>
+  </p:clrMapOvr>
+</p:sld>
+</file>
+
 <file path=ppt/slides/slide6.xml><?xml version="1.0" encoding="utf-8"?>
 <p:sld xmlns:a="http://schemas.openxmlformats.org/drawingml/2006/main" xmlns:r="http://schemas.openxmlformats.org/officeDocument/2006/relationships" xmlns:p="http://schemas.openxmlformats.org/presentationml/2006/main">
   <p:cSld>
@@ -15590,136 +15561,6 @@
           <a:p>
             <a:r>
               <a:rPr lang="en-US" altLang="zh-TW" dirty="0"/>
-              <a:t>22 June - Python Basics, IO, strings, datetime</a:t>
-            </a:r>
-          </a:p>
-          <a:p>
-            <a:r>
-              <a:rPr lang="en-US" altLang="zh-TW" dirty="0"/>
-              <a:t>6 July - Data Structures - List, Dictionary, Tuple, </a:t>
-            </a:r>
-            <a:r>
-              <a:rPr lang="en-US" altLang="zh-TW" dirty="0" err="1"/>
-              <a:t>DataFrame</a:t>
-            </a:r>
-            <a:r>
-              <a:rPr lang="en-US" altLang="zh-TW" dirty="0"/>
-              <a:t> in Pandas</a:t>
-            </a:r>
-          </a:p>
-          <a:p>
-            <a:r>
-              <a:rPr lang="en-US" altLang="zh-TW" dirty="0"/>
-              <a:t>13 July - Pandas for Data Processing - Query, Sort, Merge, Missing Value Handling</a:t>
-            </a:r>
-          </a:p>
-          <a:p>
-            <a:r>
-              <a:rPr lang="en-US" altLang="zh-TW" dirty="0"/>
-              <a:t>20 July - APIs, web scraping</a:t>
-            </a:r>
-          </a:p>
-          <a:p>
-            <a:r>
-              <a:rPr lang="en-US" altLang="zh-TW" dirty="0"/>
-              <a:t>27 July - </a:t>
-            </a:r>
-            <a:r>
-              <a:rPr lang="en-US" altLang="zh-TW" dirty="0" err="1"/>
-              <a:t>Numpy</a:t>
-            </a:r>
-            <a:r>
-              <a:rPr lang="en-US" altLang="zh-TW" dirty="0"/>
-              <a:t>, univariate statistics, random generators, Plots, and the other topics</a:t>
-            </a:r>
-          </a:p>
-          <a:p>
-            <a:endParaRPr lang="zh-TW" altLang="en-US" dirty="0"/>
-          </a:p>
-        </p:txBody>
-      </p:sp>
-    </p:spTree>
-    <p:extLst>
-      <p:ext uri="{BB962C8B-B14F-4D97-AF65-F5344CB8AC3E}">
-        <p14:creationId xmlns:p14="http://schemas.microsoft.com/office/powerpoint/2010/main" val="1125826212"/>
-      </p:ext>
-    </p:extLst>
-  </p:cSld>
-  <p:clrMapOvr>
-    <a:masterClrMapping/>
-  </p:clrMapOvr>
-</p:sld>
-</file>
-
-<file path=ppt/slides/slide7.xml><?xml version="1.0" encoding="utf-8"?>
-<p:sld xmlns:a="http://schemas.openxmlformats.org/drawingml/2006/main" xmlns:r="http://schemas.openxmlformats.org/officeDocument/2006/relationships" xmlns:p="http://schemas.openxmlformats.org/presentationml/2006/main">
-  <p:cSld>
-    <p:spTree>
-      <p:nvGrpSpPr>
-        <p:cNvPr id="1" name=""/>
-        <p:cNvGrpSpPr/>
-        <p:nvPr/>
-      </p:nvGrpSpPr>
-      <p:grpSpPr>
-        <a:xfrm>
-          <a:off x="0" y="0"/>
-          <a:ext cx="0" cy="0"/>
-          <a:chOff x="0" y="0"/>
-          <a:chExt cx="0" cy="0"/>
-        </a:xfrm>
-      </p:grpSpPr>
-      <p:sp>
-        <p:nvSpPr>
-          <p:cNvPr id="2" name="標題 1">
-            <a:extLst>
-              <a:ext uri="{FF2B5EF4-FFF2-40B4-BE49-F238E27FC236}">
-                <a16:creationId xmlns:a16="http://schemas.microsoft.com/office/drawing/2014/main" id="{EAE3901B-F28C-425C-B30F-9FC6ACFA76CA}"/>
-              </a:ext>
-            </a:extLst>
-          </p:cNvPr>
-          <p:cNvSpPr>
-            <a:spLocks noGrp="1"/>
-          </p:cNvSpPr>
-          <p:nvPr>
-            <p:ph type="title"/>
-          </p:nvPr>
-        </p:nvSpPr>
-        <p:spPr/>
-        <p:txBody>
-          <a:bodyPr/>
-          <a:lstStyle/>
-          <a:p>
-            <a:r>
-              <a:rPr lang="en-US" altLang="zh-TW" dirty="0"/>
-              <a:t>Agenda in this 5 weeks</a:t>
-            </a:r>
-            <a:endParaRPr lang="zh-TW" altLang="en-US" dirty="0"/>
-          </a:p>
-        </p:txBody>
-      </p:sp>
-      <p:sp>
-        <p:nvSpPr>
-          <p:cNvPr id="3" name="內容版面配置區 2">
-            <a:extLst>
-              <a:ext uri="{FF2B5EF4-FFF2-40B4-BE49-F238E27FC236}">
-                <a16:creationId xmlns:a16="http://schemas.microsoft.com/office/drawing/2014/main" id="{CD935279-0848-4311-87E6-B788DEA160ED}"/>
-              </a:ext>
-            </a:extLst>
-          </p:cNvPr>
-          <p:cNvSpPr>
-            <a:spLocks noGrp="1"/>
-          </p:cNvSpPr>
-          <p:nvPr>
-            <p:ph sz="quarter" idx="1"/>
-          </p:nvPr>
-        </p:nvSpPr>
-        <p:spPr/>
-        <p:txBody>
-          <a:bodyPr/>
-          <a:lstStyle/>
-          <a:p>
-            <a:r>
-              <a:rPr lang="en-US" altLang="zh-TW" dirty="0"/>
               <a:t>Lecture</a:t>
             </a:r>
           </a:p>
@@ -15801,7 +15642,7 @@
 </p:sld>
 </file>
 
-<file path=ppt/slides/slide8.xml><?xml version="1.0" encoding="utf-8"?>
+<file path=ppt/slides/slide7.xml><?xml version="1.0" encoding="utf-8"?>
 <p:sld xmlns:a="http://schemas.openxmlformats.org/drawingml/2006/main" xmlns:r="http://schemas.openxmlformats.org/officeDocument/2006/relationships" xmlns:p="http://schemas.openxmlformats.org/presentationml/2006/main">
   <p:cSld>
     <p:spTree>
@@ -15890,7 +15731,7 @@
 </p:sld>
 </file>
 
-<file path=ppt/slides/slide9.xml><?xml version="1.0" encoding="utf-8"?>
+<file path=ppt/slides/slide8.xml><?xml version="1.0" encoding="utf-8"?>
 <p:sld xmlns:a="http://schemas.openxmlformats.org/drawingml/2006/main" xmlns:r="http://schemas.openxmlformats.org/officeDocument/2006/relationships" xmlns:p="http://schemas.openxmlformats.org/presentationml/2006/main">
   <p:cSld>
     <p:spTree>
@@ -16091,6 +15932,211 @@
     <p:extLst>
       <p:ext uri="{BB962C8B-B14F-4D97-AF65-F5344CB8AC3E}">
         <p14:creationId xmlns:p14="http://schemas.microsoft.com/office/powerpoint/2010/main" val="641434342"/>
+      </p:ext>
+    </p:extLst>
+  </p:cSld>
+  <p:clrMapOvr>
+    <a:masterClrMapping/>
+  </p:clrMapOvr>
+</p:sld>
+</file>
+
+<file path=ppt/slides/slide9.xml><?xml version="1.0" encoding="utf-8"?>
+<p:sld xmlns:a="http://schemas.openxmlformats.org/drawingml/2006/main" xmlns:r="http://schemas.openxmlformats.org/officeDocument/2006/relationships" xmlns:p="http://schemas.openxmlformats.org/presentationml/2006/main">
+  <p:cSld>
+    <p:spTree>
+      <p:nvGrpSpPr>
+        <p:cNvPr id="1" name=""/>
+        <p:cNvGrpSpPr/>
+        <p:nvPr/>
+      </p:nvGrpSpPr>
+      <p:grpSpPr>
+        <a:xfrm>
+          <a:off x="0" y="0"/>
+          <a:ext cx="0" cy="0"/>
+          <a:chOff x="0" y="0"/>
+          <a:chExt cx="0" cy="0"/>
+        </a:xfrm>
+      </p:grpSpPr>
+      <p:sp>
+        <p:nvSpPr>
+          <p:cNvPr id="2" name="標題 1"/>
+          <p:cNvSpPr>
+            <a:spLocks noGrp="1"/>
+          </p:cNvSpPr>
+          <p:nvPr>
+            <p:ph type="title"/>
+          </p:nvPr>
+        </p:nvSpPr>
+        <p:spPr/>
+        <p:txBody>
+          <a:bodyPr/>
+          <a:lstStyle/>
+          <a:p>
+            <a:r>
+              <a:rPr lang="en-US" altLang="zh-TW" dirty="0"/>
+              <a:t>(FYI) What is R ?</a:t>
+            </a:r>
+            <a:endParaRPr lang="zh-TW" altLang="en-US" dirty="0"/>
+          </a:p>
+        </p:txBody>
+      </p:sp>
+      <p:sp>
+        <p:nvSpPr>
+          <p:cNvPr id="3" name="內容版面配置區 2"/>
+          <p:cNvSpPr>
+            <a:spLocks noGrp="1"/>
+          </p:cNvSpPr>
+          <p:nvPr>
+            <p:ph sz="quarter" idx="1"/>
+          </p:nvPr>
+        </p:nvSpPr>
+        <p:spPr/>
+        <p:txBody>
+          <a:bodyPr>
+            <a:normAutofit/>
+          </a:bodyPr>
+          <a:lstStyle/>
+          <a:p>
+            <a:r>
+              <a:rPr lang="en-US" altLang="zh-TW" sz="1800" dirty="0"/>
+              <a:t>initial version released in 1995</a:t>
+            </a:r>
+          </a:p>
+          <a:p>
+            <a:r>
+              <a:rPr lang="en-US" altLang="zh-TW" sz="1800" dirty="0"/>
+              <a:t>by </a:t>
+            </a:r>
+            <a:r>
+              <a:rPr lang="en-US" altLang="zh-TW" sz="1800" dirty="0">
+                <a:hlinkClick r:id="rId2" tooltip="Ross Ihaka"/>
+              </a:rPr>
+              <a:t>Ross Ihaka</a:t>
+            </a:r>
+            <a:r>
+              <a:rPr lang="en-US" altLang="zh-TW" sz="1800" dirty="0"/>
+              <a:t> and </a:t>
+            </a:r>
+            <a:r>
+              <a:rPr lang="en-US" altLang="zh-TW" sz="1800" u="sng" dirty="0">
+                <a:hlinkClick r:id="rId3"/>
+              </a:rPr>
+              <a:t>Robert Gentleman</a:t>
+            </a:r>
+            <a:r>
+              <a:rPr lang="en-US" altLang="zh-TW" sz="1800" dirty="0"/>
+              <a:t>, Statisticians at the Auckland U</a:t>
+            </a:r>
+          </a:p>
+          <a:p>
+            <a:r>
+              <a:rPr lang="en-US" altLang="zh-TW" sz="1800" dirty="0"/>
+              <a:t>named partly after the first names of the first two R authors</a:t>
+            </a:r>
+          </a:p>
+          <a:p>
+            <a:r>
+              <a:rPr lang="en-US" altLang="zh-TW" sz="1800" dirty="0"/>
+              <a:t>Reference is </a:t>
+            </a:r>
+            <a:r>
+              <a:rPr lang="en-US" altLang="zh-TW" sz="1800" dirty="0">
+                <a:hlinkClick r:id="rId4"/>
+              </a:rPr>
+              <a:t>here</a:t>
+            </a:r>
+            <a:endParaRPr lang="en-US" altLang="zh-TW" sz="1800" dirty="0"/>
+          </a:p>
+          <a:p>
+            <a:endParaRPr lang="en-US" altLang="zh-TW" sz="1800" dirty="0"/>
+          </a:p>
+          <a:p>
+            <a:r>
+              <a:rPr lang="en-US" altLang="zh-TW" sz="1800" dirty="0"/>
+              <a:t>Version</a:t>
+            </a:r>
+          </a:p>
+          <a:p>
+            <a:pPr lvl="1"/>
+            <a:r>
+              <a:rPr lang="en-US" altLang="zh-TW" sz="1600" dirty="0"/>
+              <a:t>R 1.0 - 2000-02-29</a:t>
+            </a:r>
+          </a:p>
+          <a:p>
+            <a:pPr lvl="1"/>
+            <a:r>
+              <a:rPr lang="en-US" altLang="zh-TW" sz="1600" dirty="0"/>
+              <a:t>R 2.0 - 2004-10-04</a:t>
+            </a:r>
+          </a:p>
+          <a:p>
+            <a:pPr lvl="1"/>
+            <a:r>
+              <a:rPr lang="en-US" altLang="zh-TW" sz="1600" dirty="0"/>
+              <a:t>R 3.0 - 2013-04-03</a:t>
+            </a:r>
+          </a:p>
+          <a:p>
+            <a:r>
+              <a:rPr lang="en-US" altLang="zh-TW" sz="2000" dirty="0"/>
+              <a:t>Recent – R 3.6 - 2019-04-26</a:t>
+            </a:r>
+          </a:p>
+        </p:txBody>
+      </p:sp>
+      <p:pic>
+        <p:nvPicPr>
+          <p:cNvPr id="2050" name="Picture 2" descr="Ross Ihaka and Robert Gentlemançåçæå°çµæ">
+            <a:extLst>
+              <a:ext uri="{FF2B5EF4-FFF2-40B4-BE49-F238E27FC236}">
+                <a16:creationId xmlns:a16="http://schemas.microsoft.com/office/drawing/2014/main" id="{E521E8EA-4134-4046-B302-30BB4189A06C}"/>
+              </a:ext>
+            </a:extLst>
+          </p:cNvPr>
+          <p:cNvPicPr>
+            <a:picLocks noChangeAspect="1" noChangeArrowheads="1"/>
+          </p:cNvPicPr>
+          <p:nvPr/>
+        </p:nvPicPr>
+        <p:blipFill>
+          <a:blip r:embed="rId5">
+            <a:extLst>
+              <a:ext uri="{28A0092B-C50C-407E-A947-70E740481C1C}">
+                <a14:useLocalDpi xmlns:a14="http://schemas.microsoft.com/office/drawing/2010/main" val="0"/>
+              </a:ext>
+            </a:extLst>
+          </a:blip>
+          <a:srcRect/>
+          <a:stretch>
+            <a:fillRect/>
+          </a:stretch>
+        </p:blipFill>
+        <p:spPr bwMode="auto">
+          <a:xfrm>
+            <a:off x="4917232" y="2780928"/>
+            <a:ext cx="3312368" cy="2481079"/>
+          </a:xfrm>
+          <a:prstGeom prst="rect">
+            <a:avLst/>
+          </a:prstGeom>
+          <a:noFill/>
+          <a:extLst>
+            <a:ext uri="{909E8E84-426E-40DD-AFC4-6F175D3DCCD1}">
+              <a14:hiddenFill xmlns:a14="http://schemas.microsoft.com/office/drawing/2010/main">
+                <a:solidFill>
+                  <a:srgbClr val="FFFFFF"/>
+                </a:solidFill>
+              </a14:hiddenFill>
+            </a:ext>
+          </a:extLst>
+        </p:spPr>
+      </p:pic>
+    </p:spTree>
+    <p:extLst>
+      <p:ext uri="{BB962C8B-B14F-4D97-AF65-F5344CB8AC3E}">
+        <p14:creationId xmlns:p14="http://schemas.microsoft.com/office/powerpoint/2010/main" val="171793615"/>
       </p:ext>
     </p:extLst>
   </p:cSld>
